--- a/interim-01/Slides/chair-slides-bmwg-ippm.pptx
+++ b/interim-01/Slides/chair-slides-bmwg-ippm.pptx
@@ -319,631 +319,6 @@
     <p1510:client id="{EF859C06-2014-4A3D-B5EE-7F03E77ED81E}" v="8" dt="2025-11-18T12:14:55.073"/>
   </p1510:revLst>
 </p1510:revInfo>
-</file>
-
-<file path=ppt/changesInfos/changesInfo1.xml><?xml version="1.0" encoding="utf-8"?>
-<pc:chgInfo xmlns:a="http://schemas.openxmlformats.org/drawingml/2006/main" xmlns:r="http://schemas.openxmlformats.org/officeDocument/2006/relationships" xmlns:ac="http://schemas.microsoft.com/office/drawing/2013/main/command" xmlns:pc="http://schemas.microsoft.com/office/powerpoint/2013/main/command">
-  <pc:docChgLst>
-    <pc:chgData name="Graf Thomas, SCS-INI-NET-VNC-E2E" userId="487bc3e3-9ce7-4cdd-b7b4-8899ea88d289" providerId="ADAL" clId="{EF859C06-2014-4A3D-B5EE-7F03E77ED81E}"/>
-    <pc:docChg chg="custSel delSld modSld">
-      <pc:chgData name="Graf Thomas, SCS-INI-NET-VNC-E2E" userId="487bc3e3-9ce7-4cdd-b7b4-8899ea88d289" providerId="ADAL" clId="{EF859C06-2014-4A3D-B5EE-7F03E77ED81E}" dt="2025-11-18T12:20:18.024" v="50" actId="1076"/>
-      <pc:docMkLst>
-        <pc:docMk/>
-      </pc:docMkLst>
-      <pc:sldChg chg="modSp mod">
-        <pc:chgData name="Graf Thomas, SCS-INI-NET-VNC-E2E" userId="487bc3e3-9ce7-4cdd-b7b4-8899ea88d289" providerId="ADAL" clId="{EF859C06-2014-4A3D-B5EE-7F03E77ED81E}" dt="2025-11-18T12:12:20.107" v="4"/>
-        <pc:sldMkLst>
-          <pc:docMk/>
-          <pc:sldMk cId="0" sldId="256"/>
-        </pc:sldMkLst>
-        <pc:spChg chg="mod">
-          <ac:chgData name="Graf Thomas, SCS-INI-NET-VNC-E2E" userId="487bc3e3-9ce7-4cdd-b7b4-8899ea88d289" providerId="ADAL" clId="{EF859C06-2014-4A3D-B5EE-7F03E77ED81E}" dt="2025-11-18T12:12:20.107" v="4"/>
-          <ac:spMkLst>
-            <pc:docMk/>
-            <pc:sldMk cId="0" sldId="256"/>
-            <ac:spMk id="99" creationId="{00000000-0000-0000-0000-000000000000}"/>
-          </ac:spMkLst>
-        </pc:spChg>
-        <pc:spChg chg="mod">
-          <ac:chgData name="Graf Thomas, SCS-INI-NET-VNC-E2E" userId="487bc3e3-9ce7-4cdd-b7b4-8899ea88d289" providerId="ADAL" clId="{EF859C06-2014-4A3D-B5EE-7F03E77ED81E}" dt="2025-11-18T12:11:37.868" v="1" actId="20577"/>
-          <ac:spMkLst>
-            <pc:docMk/>
-            <pc:sldMk cId="0" sldId="256"/>
-            <ac:spMk id="100" creationId="{00000000-0000-0000-0000-000000000000}"/>
-          </ac:spMkLst>
-        </pc:spChg>
-      </pc:sldChg>
-      <pc:sldChg chg="del">
-        <pc:chgData name="Graf Thomas, SCS-INI-NET-VNC-E2E" userId="487bc3e3-9ce7-4cdd-b7b4-8899ea88d289" providerId="ADAL" clId="{EF859C06-2014-4A3D-B5EE-7F03E77ED81E}" dt="2025-11-18T12:12:33.039" v="5" actId="47"/>
-        <pc:sldMkLst>
-          <pc:docMk/>
-          <pc:sldMk cId="0" sldId="258"/>
-        </pc:sldMkLst>
-      </pc:sldChg>
-      <pc:sldChg chg="modSp">
-        <pc:chgData name="Graf Thomas, SCS-INI-NET-VNC-E2E" userId="487bc3e3-9ce7-4cdd-b7b4-8899ea88d289" providerId="ADAL" clId="{EF859C06-2014-4A3D-B5EE-7F03E77ED81E}" dt="2025-11-18T12:12:38.158" v="6"/>
-        <pc:sldMkLst>
-          <pc:docMk/>
-          <pc:sldMk cId="0" sldId="259"/>
-        </pc:sldMkLst>
-        <pc:spChg chg="mod">
-          <ac:chgData name="Graf Thomas, SCS-INI-NET-VNC-E2E" userId="487bc3e3-9ce7-4cdd-b7b4-8899ea88d289" providerId="ADAL" clId="{EF859C06-2014-4A3D-B5EE-7F03E77ED81E}" dt="2025-11-18T12:12:38.158" v="6"/>
-          <ac:spMkLst>
-            <pc:docMk/>
-            <pc:sldMk cId="0" sldId="259"/>
-            <ac:spMk id="119" creationId="{00000000-0000-0000-0000-000000000000}"/>
-          </ac:spMkLst>
-        </pc:spChg>
-      </pc:sldChg>
-      <pc:sldChg chg="modSp mod">
-        <pc:chgData name="Graf Thomas, SCS-INI-NET-VNC-E2E" userId="487bc3e3-9ce7-4cdd-b7b4-8899ea88d289" providerId="ADAL" clId="{EF859C06-2014-4A3D-B5EE-7F03E77ED81E}" dt="2025-11-18T12:15:11.677" v="34" actId="14100"/>
-        <pc:sldMkLst>
-          <pc:docMk/>
-          <pc:sldMk cId="0" sldId="260"/>
-        </pc:sldMkLst>
-        <pc:spChg chg="mod">
-          <ac:chgData name="Graf Thomas, SCS-INI-NET-VNC-E2E" userId="487bc3e3-9ce7-4cdd-b7b4-8899ea88d289" providerId="ADAL" clId="{EF859C06-2014-4A3D-B5EE-7F03E77ED81E}" dt="2025-11-18T12:14:33.752" v="30" actId="20577"/>
-          <ac:spMkLst>
-            <pc:docMk/>
-            <pc:sldMk cId="0" sldId="260"/>
-            <ac:spMk id="128" creationId="{00000000-0000-0000-0000-000000000000}"/>
-          </ac:spMkLst>
-        </pc:spChg>
-        <pc:spChg chg="mod">
-          <ac:chgData name="Graf Thomas, SCS-INI-NET-VNC-E2E" userId="487bc3e3-9ce7-4cdd-b7b4-8899ea88d289" providerId="ADAL" clId="{EF859C06-2014-4A3D-B5EE-7F03E77ED81E}" dt="2025-11-18T12:15:11.677" v="34" actId="14100"/>
-          <ac:spMkLst>
-            <pc:docMk/>
-            <pc:sldMk cId="0" sldId="260"/>
-            <ac:spMk id="129" creationId="{00000000-0000-0000-0000-000000000000}"/>
-          </ac:spMkLst>
-        </pc:spChg>
-      </pc:sldChg>
-      <pc:sldChg chg="modSp mod">
-        <pc:chgData name="Graf Thomas, SCS-INI-NET-VNC-E2E" userId="487bc3e3-9ce7-4cdd-b7b4-8899ea88d289" providerId="ADAL" clId="{EF859C06-2014-4A3D-B5EE-7F03E77ED81E}" dt="2025-11-18T12:13:31.659" v="9" actId="6549"/>
-        <pc:sldMkLst>
-          <pc:docMk/>
-          <pc:sldMk cId="3471097262" sldId="261"/>
-        </pc:sldMkLst>
-        <pc:spChg chg="mod">
-          <ac:chgData name="Graf Thomas, SCS-INI-NET-VNC-E2E" userId="487bc3e3-9ce7-4cdd-b7b4-8899ea88d289" providerId="ADAL" clId="{EF859C06-2014-4A3D-B5EE-7F03E77ED81E}" dt="2025-11-18T12:13:31.659" v="9" actId="6549"/>
-          <ac:spMkLst>
-            <pc:docMk/>
-            <pc:sldMk cId="3471097262" sldId="261"/>
-            <ac:spMk id="3" creationId="{DA4A6F5D-9442-B583-BAB9-5A102B90EC22}"/>
-          </ac:spMkLst>
-        </pc:spChg>
-      </pc:sldChg>
-      <pc:sldChg chg="del">
-        <pc:chgData name="Graf Thomas, SCS-INI-NET-VNC-E2E" userId="487bc3e3-9ce7-4cdd-b7b4-8899ea88d289" providerId="ADAL" clId="{EF859C06-2014-4A3D-B5EE-7F03E77ED81E}" dt="2025-11-18T12:15:40.502" v="35" actId="47"/>
-        <pc:sldMkLst>
-          <pc:docMk/>
-          <pc:sldMk cId="2332748115" sldId="263"/>
-        </pc:sldMkLst>
-      </pc:sldChg>
-      <pc:sldChg chg="addSp delSp modSp mod">
-        <pc:chgData name="Graf Thomas, SCS-INI-NET-VNC-E2E" userId="487bc3e3-9ce7-4cdd-b7b4-8899ea88d289" providerId="ADAL" clId="{EF859C06-2014-4A3D-B5EE-7F03E77ED81E}" dt="2025-11-18T12:16:12.755" v="44" actId="1076"/>
-        <pc:sldMkLst>
-          <pc:docMk/>
-          <pc:sldMk cId="703495152" sldId="264"/>
-        </pc:sldMkLst>
-        <pc:picChg chg="add del mod">
-          <ac:chgData name="Graf Thomas, SCS-INI-NET-VNC-E2E" userId="487bc3e3-9ce7-4cdd-b7b4-8899ea88d289" providerId="ADAL" clId="{EF859C06-2014-4A3D-B5EE-7F03E77ED81E}" dt="2025-11-18T12:15:54.577" v="40" actId="478"/>
-          <ac:picMkLst>
-            <pc:docMk/>
-            <pc:sldMk cId="703495152" sldId="264"/>
-            <ac:picMk id="5" creationId="{2BA96233-12F5-51E2-04D0-637B4248128F}"/>
-          </ac:picMkLst>
-        </pc:picChg>
-        <pc:picChg chg="add mod">
-          <ac:chgData name="Graf Thomas, SCS-INI-NET-VNC-E2E" userId="487bc3e3-9ce7-4cdd-b7b4-8899ea88d289" providerId="ADAL" clId="{EF859C06-2014-4A3D-B5EE-7F03E77ED81E}" dt="2025-11-18T12:16:12.755" v="44" actId="1076"/>
-          <ac:picMkLst>
-            <pc:docMk/>
-            <pc:sldMk cId="703495152" sldId="264"/>
-            <ac:picMk id="7" creationId="{8249488F-129E-0F6F-19AF-B00E317A45AF}"/>
-          </ac:picMkLst>
-        </pc:picChg>
-        <pc:picChg chg="del">
-          <ac:chgData name="Graf Thomas, SCS-INI-NET-VNC-E2E" userId="487bc3e3-9ce7-4cdd-b7b4-8899ea88d289" providerId="ADAL" clId="{EF859C06-2014-4A3D-B5EE-7F03E77ED81E}" dt="2025-11-18T12:15:45.865" v="36" actId="478"/>
-          <ac:picMkLst>
-            <pc:docMk/>
-            <pc:sldMk cId="703495152" sldId="264"/>
-            <ac:picMk id="8" creationId="{89CAAE8C-AD6B-C359-A366-CE2EAD39C893}"/>
-          </ac:picMkLst>
-        </pc:picChg>
-      </pc:sldChg>
-      <pc:sldChg chg="del">
-        <pc:chgData name="Graf Thomas, SCS-INI-NET-VNC-E2E" userId="487bc3e3-9ce7-4cdd-b7b4-8899ea88d289" providerId="ADAL" clId="{EF859C06-2014-4A3D-B5EE-7F03E77ED81E}" dt="2025-11-18T12:13:38.568" v="10" actId="47"/>
-        <pc:sldMkLst>
-          <pc:docMk/>
-          <pc:sldMk cId="1372742302" sldId="266"/>
-        </pc:sldMkLst>
-      </pc:sldChg>
-      <pc:sldChg chg="del">
-        <pc:chgData name="Graf Thomas, SCS-INI-NET-VNC-E2E" userId="487bc3e3-9ce7-4cdd-b7b4-8899ea88d289" providerId="ADAL" clId="{EF859C06-2014-4A3D-B5EE-7F03E77ED81E}" dt="2025-11-18T12:13:38.568" v="10" actId="47"/>
-        <pc:sldMkLst>
-          <pc:docMk/>
-          <pc:sldMk cId="2128497270" sldId="269"/>
-        </pc:sldMkLst>
-      </pc:sldChg>
-      <pc:sldChg chg="addSp delSp modSp mod">
-        <pc:chgData name="Graf Thomas, SCS-INI-NET-VNC-E2E" userId="487bc3e3-9ce7-4cdd-b7b4-8899ea88d289" providerId="ADAL" clId="{EF859C06-2014-4A3D-B5EE-7F03E77ED81E}" dt="2025-11-18T12:20:18.024" v="50" actId="1076"/>
-        <pc:sldMkLst>
-          <pc:docMk/>
-          <pc:sldMk cId="1859012803" sldId="271"/>
-        </pc:sldMkLst>
-        <pc:picChg chg="del">
-          <ac:chgData name="Graf Thomas, SCS-INI-NET-VNC-E2E" userId="487bc3e3-9ce7-4cdd-b7b4-8899ea88d289" providerId="ADAL" clId="{EF859C06-2014-4A3D-B5EE-7F03E77ED81E}" dt="2025-11-18T12:16:26.116" v="45" actId="478"/>
-          <ac:picMkLst>
-            <pc:docMk/>
-            <pc:sldMk cId="1859012803" sldId="271"/>
-            <ac:picMk id="5" creationId="{45D31BC4-5700-0D94-0AC5-B7C45E3F062E}"/>
-          </ac:picMkLst>
-        </pc:picChg>
-        <pc:picChg chg="add del mod">
-          <ac:chgData name="Graf Thomas, SCS-INI-NET-VNC-E2E" userId="487bc3e3-9ce7-4cdd-b7b4-8899ea88d289" providerId="ADAL" clId="{EF859C06-2014-4A3D-B5EE-7F03E77ED81E}" dt="2025-11-18T12:20:13.977" v="48" actId="478"/>
-          <ac:picMkLst>
-            <pc:docMk/>
-            <pc:sldMk cId="1859012803" sldId="271"/>
-            <ac:picMk id="6" creationId="{B5824FDC-AEAB-12C1-F9B7-E783ADC75D62}"/>
-          </ac:picMkLst>
-        </pc:picChg>
-        <pc:picChg chg="add mod">
-          <ac:chgData name="Graf Thomas, SCS-INI-NET-VNC-E2E" userId="487bc3e3-9ce7-4cdd-b7b4-8899ea88d289" providerId="ADAL" clId="{EF859C06-2014-4A3D-B5EE-7F03E77ED81E}" dt="2025-11-18T12:20:18.024" v="50" actId="1076"/>
-          <ac:picMkLst>
-            <pc:docMk/>
-            <pc:sldMk cId="1859012803" sldId="271"/>
-            <ac:picMk id="8" creationId="{3E80C31F-C4B2-853C-704F-CDF575DEF945}"/>
-          </ac:picMkLst>
-        </pc:picChg>
-      </pc:sldChg>
-    </pc:docChg>
-  </pc:docChgLst>
-  <pc:docChgLst>
-    <pc:chgData name="Graf Thomas, SCS-INI-NET-VNC-E2E" userId="487bc3e3-9ce7-4cdd-b7b4-8899ea88d289" providerId="ADAL" clId="{52F89B06-B397-4BA4-9DB6-8A81C30956C2}"/>
-    <pc:docChg chg="addSld delSld modSld">
-      <pc:chgData name="Graf Thomas, SCS-INI-NET-VNC-E2E" userId="487bc3e3-9ce7-4cdd-b7b4-8899ea88d289" providerId="ADAL" clId="{52F89B06-B397-4BA4-9DB6-8A81C30956C2}" dt="2025-11-04T14:39:54.897" v="2" actId="47"/>
-      <pc:docMkLst>
-        <pc:docMk/>
-      </pc:docMkLst>
-      <pc:sldChg chg="del">
-        <pc:chgData name="Graf Thomas, SCS-INI-NET-VNC-E2E" userId="487bc3e3-9ce7-4cdd-b7b4-8899ea88d289" providerId="ADAL" clId="{52F89B06-B397-4BA4-9DB6-8A81C30956C2}" dt="2025-11-04T14:39:54.897" v="2" actId="47"/>
-        <pc:sldMkLst>
-          <pc:docMk/>
-          <pc:sldMk cId="0" sldId="257"/>
-        </pc:sldMkLst>
-      </pc:sldChg>
-      <pc:sldChg chg="add del">
-        <pc:chgData name="Graf Thomas, SCS-INI-NET-VNC-E2E" userId="487bc3e3-9ce7-4cdd-b7b4-8899ea88d289" providerId="ADAL" clId="{52F89B06-B397-4BA4-9DB6-8A81C30956C2}" dt="2025-11-04T14:39:38.974" v="1"/>
-        <pc:sldMkLst>
-          <pc:docMk/>
-          <pc:sldMk cId="0" sldId="272"/>
-        </pc:sldMkLst>
-      </pc:sldChg>
-    </pc:docChg>
-  </pc:docChgLst>
-  <pc:docChgLst>
-    <pc:chgData name="Marcus Ihlar" userId="3466507a-8f95-47f2-ae1b-ce7d6ca611a4" providerId="ADAL" clId="{AED546ED-D998-4FD7-8756-673BE2DDCF49}"/>
-    <pc:docChg chg="modSld">
-      <pc:chgData name="Marcus Ihlar" userId="3466507a-8f95-47f2-ae1b-ce7d6ca611a4" providerId="ADAL" clId="{AED546ED-D998-4FD7-8756-673BE2DDCF49}" dt="2025-07-16T10:35:22.434" v="10" actId="20577"/>
-      <pc:docMkLst>
-        <pc:docMk/>
-      </pc:docMkLst>
-      <pc:sldChg chg="modSp mod">
-        <pc:chgData name="Marcus Ihlar" userId="3466507a-8f95-47f2-ae1b-ce7d6ca611a4" providerId="ADAL" clId="{AED546ED-D998-4FD7-8756-673BE2DDCF49}" dt="2025-07-16T10:35:22.434" v="10" actId="20577"/>
-        <pc:sldMkLst>
-          <pc:docMk/>
-          <pc:sldMk cId="0" sldId="256"/>
-        </pc:sldMkLst>
-      </pc:sldChg>
-      <pc:sldChg chg="modSp mod">
-        <pc:chgData name="Marcus Ihlar" userId="3466507a-8f95-47f2-ae1b-ce7d6ca611a4" providerId="ADAL" clId="{AED546ED-D998-4FD7-8756-673BE2DDCF49}" dt="2025-07-16T10:18:57.833" v="8" actId="20577"/>
-        <pc:sldMkLst>
-          <pc:docMk/>
-          <pc:sldMk cId="2128497270" sldId="269"/>
-        </pc:sldMkLst>
-      </pc:sldChg>
-    </pc:docChg>
-  </pc:docChgLst>
-  <pc:docChgLst>
-    <pc:chgData name="Graf Thomas, SCS-INI-NET-VNC-E2E" userId="487bc3e3-9ce7-4cdd-b7b4-8899ea88d289" providerId="ADAL" clId="{4403439A-50EC-49D8-B7F6-3D7264685FDE}"/>
-    <pc:docChg chg="undo custSel addSld modSld sldOrd">
-      <pc:chgData name="Graf Thomas, SCS-INI-NET-VNC-E2E" userId="487bc3e3-9ce7-4cdd-b7b4-8899ea88d289" providerId="ADAL" clId="{4403439A-50EC-49D8-B7F6-3D7264685FDE}" dt="2025-07-21T05:25:01.641" v="1423" actId="1076"/>
-      <pc:docMkLst>
-        <pc:docMk/>
-      </pc:docMkLst>
-      <pc:sldChg chg="modSp mod">
-        <pc:chgData name="Graf Thomas, SCS-INI-NET-VNC-E2E" userId="487bc3e3-9ce7-4cdd-b7b4-8899ea88d289" providerId="ADAL" clId="{4403439A-50EC-49D8-B7F6-3D7264685FDE}" dt="2025-07-10T05:43:59.555" v="6" actId="20577"/>
-        <pc:sldMkLst>
-          <pc:docMk/>
-          <pc:sldMk cId="0" sldId="256"/>
-        </pc:sldMkLst>
-      </pc:sldChg>
-      <pc:sldChg chg="ord">
-        <pc:chgData name="Graf Thomas, SCS-INI-NET-VNC-E2E" userId="487bc3e3-9ce7-4cdd-b7b4-8899ea88d289" providerId="ADAL" clId="{4403439A-50EC-49D8-B7F6-3D7264685FDE}" dt="2025-07-10T06:22:20.341" v="686"/>
-        <pc:sldMkLst>
-          <pc:docMk/>
-          <pc:sldMk cId="0" sldId="259"/>
-        </pc:sldMkLst>
-      </pc:sldChg>
-      <pc:sldChg chg="modSp mod">
-        <pc:chgData name="Graf Thomas, SCS-INI-NET-VNC-E2E" userId="487bc3e3-9ce7-4cdd-b7b4-8899ea88d289" providerId="ADAL" clId="{4403439A-50EC-49D8-B7F6-3D7264685FDE}" dt="2025-07-10T05:48:14.572" v="76" actId="20577"/>
-        <pc:sldMkLst>
-          <pc:docMk/>
-          <pc:sldMk cId="0" sldId="260"/>
-        </pc:sldMkLst>
-      </pc:sldChg>
-      <pc:sldChg chg="modSp mod">
-        <pc:chgData name="Graf Thomas, SCS-INI-NET-VNC-E2E" userId="487bc3e3-9ce7-4cdd-b7b4-8899ea88d289" providerId="ADAL" clId="{4403439A-50EC-49D8-B7F6-3D7264685FDE}" dt="2025-07-10T05:44:34.935" v="15" actId="20577"/>
-        <pc:sldMkLst>
-          <pc:docMk/>
-          <pc:sldMk cId="3471097262" sldId="261"/>
-        </pc:sldMkLst>
-      </pc:sldChg>
-      <pc:sldChg chg="addSp delSp modSp mod">
-        <pc:chgData name="Graf Thomas, SCS-INI-NET-VNC-E2E" userId="487bc3e3-9ce7-4cdd-b7b4-8899ea88d289" providerId="ADAL" clId="{4403439A-50EC-49D8-B7F6-3D7264685FDE}" dt="2025-07-21T05:25:01.641" v="1423" actId="1076"/>
-        <pc:sldMkLst>
-          <pc:docMk/>
-          <pc:sldMk cId="2332748115" sldId="263"/>
-        </pc:sldMkLst>
-      </pc:sldChg>
-      <pc:sldChg chg="addSp delSp modSp mod">
-        <pc:chgData name="Graf Thomas, SCS-INI-NET-VNC-E2E" userId="487bc3e3-9ce7-4cdd-b7b4-8899ea88d289" providerId="ADAL" clId="{4403439A-50EC-49D8-B7F6-3D7264685FDE}" dt="2025-07-14T15:38:27.636" v="757" actId="1076"/>
-        <pc:sldMkLst>
-          <pc:docMk/>
-          <pc:sldMk cId="703495152" sldId="264"/>
-        </pc:sldMkLst>
-      </pc:sldChg>
-      <pc:sldChg chg="modSp mod">
-        <pc:chgData name="Graf Thomas, SCS-INI-NET-VNC-E2E" userId="487bc3e3-9ce7-4cdd-b7b4-8899ea88d289" providerId="ADAL" clId="{4403439A-50EC-49D8-B7F6-3D7264685FDE}" dt="2025-07-10T06:06:38.835" v="223" actId="14100"/>
-        <pc:sldMkLst>
-          <pc:docMk/>
-          <pc:sldMk cId="1372742302" sldId="266"/>
-        </pc:sldMkLst>
-      </pc:sldChg>
-      <pc:sldChg chg="modSp add mod">
-        <pc:chgData name="Graf Thomas, SCS-INI-NET-VNC-E2E" userId="487bc3e3-9ce7-4cdd-b7b4-8899ea88d289" providerId="ADAL" clId="{4403439A-50EC-49D8-B7F6-3D7264685FDE}" dt="2025-07-10T06:00:40.529" v="209" actId="20577"/>
-        <pc:sldMkLst>
-          <pc:docMk/>
-          <pc:sldMk cId="1383312952" sldId="267"/>
-        </pc:sldMkLst>
-      </pc:sldChg>
-      <pc:sldChg chg="modSp add mod ord">
-        <pc:chgData name="Graf Thomas, SCS-INI-NET-VNC-E2E" userId="487bc3e3-9ce7-4cdd-b7b4-8899ea88d289" providerId="ADAL" clId="{4403439A-50EC-49D8-B7F6-3D7264685FDE}" dt="2025-07-10T06:00:34.413" v="207" actId="20577"/>
-        <pc:sldMkLst>
-          <pc:docMk/>
-          <pc:sldMk cId="1659843495" sldId="268"/>
-        </pc:sldMkLst>
-      </pc:sldChg>
-      <pc:sldChg chg="modSp add mod">
-        <pc:chgData name="Graf Thomas, SCS-INI-NET-VNC-E2E" userId="487bc3e3-9ce7-4cdd-b7b4-8899ea88d289" providerId="ADAL" clId="{4403439A-50EC-49D8-B7F6-3D7264685FDE}" dt="2025-07-10T06:19:40.757" v="684" actId="20577"/>
-        <pc:sldMkLst>
-          <pc:docMk/>
-          <pc:sldMk cId="2128497270" sldId="269"/>
-        </pc:sldMkLst>
-      </pc:sldChg>
-      <pc:sldChg chg="modSp add mod ord">
-        <pc:chgData name="Graf Thomas, SCS-INI-NET-VNC-E2E" userId="487bc3e3-9ce7-4cdd-b7b4-8899ea88d289" providerId="ADAL" clId="{4403439A-50EC-49D8-B7F6-3D7264685FDE}" dt="2025-07-15T09:01:50.650" v="1407" actId="20577"/>
-        <pc:sldMkLst>
-          <pc:docMk/>
-          <pc:sldMk cId="2434865477" sldId="270"/>
-        </pc:sldMkLst>
-      </pc:sldChg>
-      <pc:sldChg chg="addSp delSp modSp add mod">
-        <pc:chgData name="Graf Thomas, SCS-INI-NET-VNC-E2E" userId="487bc3e3-9ce7-4cdd-b7b4-8899ea88d289" providerId="ADAL" clId="{4403439A-50EC-49D8-B7F6-3D7264685FDE}" dt="2025-07-14T15:38:57.390" v="780" actId="1076"/>
-        <pc:sldMkLst>
-          <pc:docMk/>
-          <pc:sldMk cId="1859012803" sldId="271"/>
-        </pc:sldMkLst>
-      </pc:sldChg>
-    </pc:docChg>
-  </pc:docChgLst>
-  <pc:docChgLst>
-    <pc:chgData name="Graf Thomas, SCS-INI-NET-VNC-E2E" userId="487bc3e3-9ce7-4cdd-b7b4-8899ea88d289" providerId="ADAL" clId="{4725F99E-EFE0-4780-BB38-6BDDFB9F73C4}"/>
-    <pc:docChg chg="undo custSel delSld modSld">
-      <pc:chgData name="Graf Thomas, SCS-INI-NET-VNC-E2E" userId="487bc3e3-9ce7-4cdd-b7b4-8899ea88d289" providerId="ADAL" clId="{4725F99E-EFE0-4780-BB38-6BDDFB9F73C4}" dt="2025-10-27T07:49:36.115" v="1042" actId="20577"/>
-      <pc:docMkLst>
-        <pc:docMk/>
-      </pc:docMkLst>
-      <pc:sldChg chg="modSp mod">
-        <pc:chgData name="Graf Thomas, SCS-INI-NET-VNC-E2E" userId="487bc3e3-9ce7-4cdd-b7b4-8899ea88d289" providerId="ADAL" clId="{4725F99E-EFE0-4780-BB38-6BDDFB9F73C4}" dt="2025-10-27T07:43:43.844" v="1022" actId="790"/>
-        <pc:sldMkLst>
-          <pc:docMk/>
-          <pc:sldMk cId="0" sldId="256"/>
-        </pc:sldMkLst>
-        <pc:spChg chg="mod">
-          <ac:chgData name="Graf Thomas, SCS-INI-NET-VNC-E2E" userId="487bc3e3-9ce7-4cdd-b7b4-8899ea88d289" providerId="ADAL" clId="{4725F99E-EFE0-4780-BB38-6BDDFB9F73C4}" dt="2025-10-27T07:43:43.844" v="1022" actId="790"/>
-          <ac:spMkLst>
-            <pc:docMk/>
-            <pc:sldMk cId="0" sldId="256"/>
-            <ac:spMk id="99" creationId="{00000000-0000-0000-0000-000000000000}"/>
-          </ac:spMkLst>
-        </pc:spChg>
-        <pc:spChg chg="mod">
-          <ac:chgData name="Graf Thomas, SCS-INI-NET-VNC-E2E" userId="487bc3e3-9ce7-4cdd-b7b4-8899ea88d289" providerId="ADAL" clId="{4725F99E-EFE0-4780-BB38-6BDDFB9F73C4}" dt="2025-10-27T07:43:43.844" v="1022" actId="790"/>
-          <ac:spMkLst>
-            <pc:docMk/>
-            <pc:sldMk cId="0" sldId="256"/>
-            <ac:spMk id="100" creationId="{00000000-0000-0000-0000-000000000000}"/>
-          </ac:spMkLst>
-        </pc:spChg>
-        <pc:spChg chg="mod">
-          <ac:chgData name="Graf Thomas, SCS-INI-NET-VNC-E2E" userId="487bc3e3-9ce7-4cdd-b7b4-8899ea88d289" providerId="ADAL" clId="{4725F99E-EFE0-4780-BB38-6BDDFB9F73C4}" dt="2025-10-27T07:43:43.844" v="1022" actId="790"/>
-          <ac:spMkLst>
-            <pc:docMk/>
-            <pc:sldMk cId="0" sldId="256"/>
-            <ac:spMk id="101" creationId="{00000000-0000-0000-0000-000000000000}"/>
-          </ac:spMkLst>
-        </pc:spChg>
-        <pc:spChg chg="mod">
-          <ac:chgData name="Graf Thomas, SCS-INI-NET-VNC-E2E" userId="487bc3e3-9ce7-4cdd-b7b4-8899ea88d289" providerId="ADAL" clId="{4725F99E-EFE0-4780-BB38-6BDDFB9F73C4}" dt="2025-10-27T07:43:43.844" v="1022" actId="790"/>
-          <ac:spMkLst>
-            <pc:docMk/>
-            <pc:sldMk cId="0" sldId="256"/>
-            <ac:spMk id="102" creationId="{00000000-0000-0000-0000-000000000000}"/>
-          </ac:spMkLst>
-        </pc:spChg>
-      </pc:sldChg>
-      <pc:sldChg chg="modSp mod">
-        <pc:chgData name="Graf Thomas, SCS-INI-NET-VNC-E2E" userId="487bc3e3-9ce7-4cdd-b7b4-8899ea88d289" providerId="ADAL" clId="{4725F99E-EFE0-4780-BB38-6BDDFB9F73C4}" dt="2025-10-27T07:43:53.689" v="1023" actId="790"/>
-        <pc:sldMkLst>
-          <pc:docMk/>
-          <pc:sldMk cId="0" sldId="257"/>
-        </pc:sldMkLst>
-      </pc:sldChg>
-      <pc:sldChg chg="modSp mod">
-        <pc:chgData name="Graf Thomas, SCS-INI-NET-VNC-E2E" userId="487bc3e3-9ce7-4cdd-b7b4-8899ea88d289" providerId="ADAL" clId="{4725F99E-EFE0-4780-BB38-6BDDFB9F73C4}" dt="2025-10-27T07:44:00.397" v="1024" actId="790"/>
-        <pc:sldMkLst>
-          <pc:docMk/>
-          <pc:sldMk cId="0" sldId="258"/>
-        </pc:sldMkLst>
-      </pc:sldChg>
-      <pc:sldChg chg="modSp mod">
-        <pc:chgData name="Graf Thomas, SCS-INI-NET-VNC-E2E" userId="487bc3e3-9ce7-4cdd-b7b4-8899ea88d289" providerId="ADAL" clId="{4725F99E-EFE0-4780-BB38-6BDDFB9F73C4}" dt="2025-10-27T07:44:05.500" v="1025" actId="790"/>
-        <pc:sldMkLst>
-          <pc:docMk/>
-          <pc:sldMk cId="0" sldId="259"/>
-        </pc:sldMkLst>
-        <pc:spChg chg="mod">
-          <ac:chgData name="Graf Thomas, SCS-INI-NET-VNC-E2E" userId="487bc3e3-9ce7-4cdd-b7b4-8899ea88d289" providerId="ADAL" clId="{4725F99E-EFE0-4780-BB38-6BDDFB9F73C4}" dt="2025-10-27T07:44:05.500" v="1025" actId="790"/>
-          <ac:spMkLst>
-            <pc:docMk/>
-            <pc:sldMk cId="0" sldId="259"/>
-            <ac:spMk id="119" creationId="{00000000-0000-0000-0000-000000000000}"/>
-          </ac:spMkLst>
-        </pc:spChg>
-        <pc:spChg chg="mod">
-          <ac:chgData name="Graf Thomas, SCS-INI-NET-VNC-E2E" userId="487bc3e3-9ce7-4cdd-b7b4-8899ea88d289" providerId="ADAL" clId="{4725F99E-EFE0-4780-BB38-6BDDFB9F73C4}" dt="2025-10-27T07:44:05.500" v="1025" actId="790"/>
-          <ac:spMkLst>
-            <pc:docMk/>
-            <pc:sldMk cId="0" sldId="259"/>
-            <ac:spMk id="120" creationId="{00000000-0000-0000-0000-000000000000}"/>
-          </ac:spMkLst>
-        </pc:spChg>
-        <pc:spChg chg="mod">
-          <ac:chgData name="Graf Thomas, SCS-INI-NET-VNC-E2E" userId="487bc3e3-9ce7-4cdd-b7b4-8899ea88d289" providerId="ADAL" clId="{4725F99E-EFE0-4780-BB38-6BDDFB9F73C4}" dt="2025-10-27T07:44:05.500" v="1025" actId="790"/>
-          <ac:spMkLst>
-            <pc:docMk/>
-            <pc:sldMk cId="0" sldId="259"/>
-            <ac:spMk id="121" creationId="{00000000-0000-0000-0000-000000000000}"/>
-          </ac:spMkLst>
-        </pc:spChg>
-        <pc:spChg chg="mod">
-          <ac:chgData name="Graf Thomas, SCS-INI-NET-VNC-E2E" userId="487bc3e3-9ce7-4cdd-b7b4-8899ea88d289" providerId="ADAL" clId="{4725F99E-EFE0-4780-BB38-6BDDFB9F73C4}" dt="2025-10-27T07:44:05.500" v="1025" actId="790"/>
-          <ac:spMkLst>
-            <pc:docMk/>
-            <pc:sldMk cId="0" sldId="259"/>
-            <ac:spMk id="122" creationId="{00000000-0000-0000-0000-000000000000}"/>
-          </ac:spMkLst>
-        </pc:spChg>
-      </pc:sldChg>
-      <pc:sldChg chg="modSp mod">
-        <pc:chgData name="Graf Thomas, SCS-INI-NET-VNC-E2E" userId="487bc3e3-9ce7-4cdd-b7b4-8899ea88d289" providerId="ADAL" clId="{4725F99E-EFE0-4780-BB38-6BDDFB9F73C4}" dt="2025-10-27T07:48:29.201" v="1038" actId="14100"/>
-        <pc:sldMkLst>
-          <pc:docMk/>
-          <pc:sldMk cId="0" sldId="260"/>
-        </pc:sldMkLst>
-        <pc:spChg chg="mod">
-          <ac:chgData name="Graf Thomas, SCS-INI-NET-VNC-E2E" userId="487bc3e3-9ce7-4cdd-b7b4-8899ea88d289" providerId="ADAL" clId="{4725F99E-EFE0-4780-BB38-6BDDFB9F73C4}" dt="2025-10-27T07:29:40.824" v="870" actId="20577"/>
-          <ac:spMkLst>
-            <pc:docMk/>
-            <pc:sldMk cId="0" sldId="260"/>
-            <ac:spMk id="128" creationId="{00000000-0000-0000-0000-000000000000}"/>
-          </ac:spMkLst>
-        </pc:spChg>
-        <pc:spChg chg="mod">
-          <ac:chgData name="Graf Thomas, SCS-INI-NET-VNC-E2E" userId="487bc3e3-9ce7-4cdd-b7b4-8899ea88d289" providerId="ADAL" clId="{4725F99E-EFE0-4780-BB38-6BDDFB9F73C4}" dt="2025-10-27T07:48:29.201" v="1038" actId="14100"/>
-          <ac:spMkLst>
-            <pc:docMk/>
-            <pc:sldMk cId="0" sldId="260"/>
-            <ac:spMk id="130" creationId="{00000000-0000-0000-0000-000000000000}"/>
-          </ac:spMkLst>
-        </pc:spChg>
-      </pc:sldChg>
-      <pc:sldChg chg="modSp mod">
-        <pc:chgData name="Graf Thomas, SCS-INI-NET-VNC-E2E" userId="487bc3e3-9ce7-4cdd-b7b4-8899ea88d289" providerId="ADAL" clId="{4725F99E-EFE0-4780-BB38-6BDDFB9F73C4}" dt="2025-10-27T07:44:34.772" v="1029" actId="790"/>
-        <pc:sldMkLst>
-          <pc:docMk/>
-          <pc:sldMk cId="3471097262" sldId="261"/>
-        </pc:sldMkLst>
-        <pc:spChg chg="mod">
-          <ac:chgData name="Graf Thomas, SCS-INI-NET-VNC-E2E" userId="487bc3e3-9ce7-4cdd-b7b4-8899ea88d289" providerId="ADAL" clId="{4725F99E-EFE0-4780-BB38-6BDDFB9F73C4}" dt="2025-10-27T07:44:34.772" v="1029" actId="790"/>
-          <ac:spMkLst>
-            <pc:docMk/>
-            <pc:sldMk cId="3471097262" sldId="261"/>
-            <ac:spMk id="2" creationId="{0B9E15DC-F076-98D2-1BDF-BC01FEC9047B}"/>
-          </ac:spMkLst>
-        </pc:spChg>
-        <pc:spChg chg="mod">
-          <ac:chgData name="Graf Thomas, SCS-INI-NET-VNC-E2E" userId="487bc3e3-9ce7-4cdd-b7b4-8899ea88d289" providerId="ADAL" clId="{4725F99E-EFE0-4780-BB38-6BDDFB9F73C4}" dt="2025-10-27T07:44:34.772" v="1029" actId="790"/>
-          <ac:spMkLst>
-            <pc:docMk/>
-            <pc:sldMk cId="3471097262" sldId="261"/>
-            <ac:spMk id="3" creationId="{DA4A6F5D-9442-B583-BAB9-5A102B90EC22}"/>
-          </ac:spMkLst>
-        </pc:spChg>
-        <pc:spChg chg="mod">
-          <ac:chgData name="Graf Thomas, SCS-INI-NET-VNC-E2E" userId="487bc3e3-9ce7-4cdd-b7b4-8899ea88d289" providerId="ADAL" clId="{4725F99E-EFE0-4780-BB38-6BDDFB9F73C4}" dt="2025-10-27T07:44:34.772" v="1029" actId="790"/>
-          <ac:spMkLst>
-            <pc:docMk/>
-            <pc:sldMk cId="3471097262" sldId="261"/>
-            <ac:spMk id="4" creationId="{D216BDC7-4DE9-D9D5-0725-BBEF6CFE8DF1}"/>
-          </ac:spMkLst>
-        </pc:spChg>
-      </pc:sldChg>
-      <pc:sldChg chg="addSp delSp modSp mod">
-        <pc:chgData name="Graf Thomas, SCS-INI-NET-VNC-E2E" userId="487bc3e3-9ce7-4cdd-b7b4-8899ea88d289" providerId="ADAL" clId="{4725F99E-EFE0-4780-BB38-6BDDFB9F73C4}" dt="2025-10-27T07:44:42.065" v="1030" actId="790"/>
-        <pc:sldMkLst>
-          <pc:docMk/>
-          <pc:sldMk cId="2332748115" sldId="263"/>
-        </pc:sldMkLst>
-      </pc:sldChg>
-      <pc:sldChg chg="addSp delSp modSp mod">
-        <pc:chgData name="Graf Thomas, SCS-INI-NET-VNC-E2E" userId="487bc3e3-9ce7-4cdd-b7b4-8899ea88d289" providerId="ADAL" clId="{4725F99E-EFE0-4780-BB38-6BDDFB9F73C4}" dt="2025-10-27T07:48:38.632" v="1041" actId="14100"/>
-        <pc:sldMkLst>
-          <pc:docMk/>
-          <pc:sldMk cId="703495152" sldId="264"/>
-        </pc:sldMkLst>
-        <pc:spChg chg="mod">
-          <ac:chgData name="Graf Thomas, SCS-INI-NET-VNC-E2E" userId="487bc3e3-9ce7-4cdd-b7b4-8899ea88d289" providerId="ADAL" clId="{4725F99E-EFE0-4780-BB38-6BDDFB9F73C4}" dt="2025-10-27T07:44:47.943" v="1031" actId="790"/>
-          <ac:spMkLst>
-            <pc:docMk/>
-            <pc:sldMk cId="703495152" sldId="264"/>
-            <ac:spMk id="2" creationId="{0B9E15DC-F076-98D2-1BDF-BC01FEC9047B}"/>
-          </ac:spMkLst>
-        </pc:spChg>
-        <pc:spChg chg="mod">
-          <ac:chgData name="Graf Thomas, SCS-INI-NET-VNC-E2E" userId="487bc3e3-9ce7-4cdd-b7b4-8899ea88d289" providerId="ADAL" clId="{4725F99E-EFE0-4780-BB38-6BDDFB9F73C4}" dt="2025-10-27T07:48:38.632" v="1041" actId="14100"/>
-          <ac:spMkLst>
-            <pc:docMk/>
-            <pc:sldMk cId="703495152" sldId="264"/>
-            <ac:spMk id="4" creationId="{D216BDC7-4DE9-D9D5-0725-BBEF6CFE8DF1}"/>
-          </ac:spMkLst>
-        </pc:spChg>
-      </pc:sldChg>
-      <pc:sldChg chg="modSp mod">
-        <pc:chgData name="Graf Thomas, SCS-INI-NET-VNC-E2E" userId="487bc3e3-9ce7-4cdd-b7b4-8899ea88d289" providerId="ADAL" clId="{4725F99E-EFE0-4780-BB38-6BDDFB9F73C4}" dt="2025-10-27T07:48:32.985" v="1039" actId="14100"/>
-        <pc:sldMkLst>
-          <pc:docMk/>
-          <pc:sldMk cId="1372742302" sldId="266"/>
-        </pc:sldMkLst>
-      </pc:sldChg>
-      <pc:sldChg chg="modSp mod">
-        <pc:chgData name="Graf Thomas, SCS-INI-NET-VNC-E2E" userId="487bc3e3-9ce7-4cdd-b7b4-8899ea88d289" providerId="ADAL" clId="{4725F99E-EFE0-4780-BB38-6BDDFB9F73C4}" dt="2025-10-27T07:44:28.099" v="1028" actId="790"/>
-        <pc:sldMkLst>
-          <pc:docMk/>
-          <pc:sldMk cId="1383312952" sldId="267"/>
-        </pc:sldMkLst>
-        <pc:spChg chg="mod">
-          <ac:chgData name="Graf Thomas, SCS-INI-NET-VNC-E2E" userId="487bc3e3-9ce7-4cdd-b7b4-8899ea88d289" providerId="ADAL" clId="{4725F99E-EFE0-4780-BB38-6BDDFB9F73C4}" dt="2025-10-27T07:44:28.099" v="1028" actId="790"/>
-          <ac:spMkLst>
-            <pc:docMk/>
-            <pc:sldMk cId="1383312952" sldId="267"/>
-            <ac:spMk id="113" creationId="{00000000-0000-0000-0000-000000000000}"/>
-          </ac:spMkLst>
-        </pc:spChg>
-        <pc:spChg chg="mod">
-          <ac:chgData name="Graf Thomas, SCS-INI-NET-VNC-E2E" userId="487bc3e3-9ce7-4cdd-b7b4-8899ea88d289" providerId="ADAL" clId="{4725F99E-EFE0-4780-BB38-6BDDFB9F73C4}" dt="2025-10-27T07:44:28.099" v="1028" actId="790"/>
-          <ac:spMkLst>
-            <pc:docMk/>
-            <pc:sldMk cId="1383312952" sldId="267"/>
-            <ac:spMk id="114" creationId="{00000000-0000-0000-0000-000000000000}"/>
-          </ac:spMkLst>
-        </pc:spChg>
-      </pc:sldChg>
-      <pc:sldChg chg="modSp mod">
-        <pc:chgData name="Graf Thomas, SCS-INI-NET-VNC-E2E" userId="487bc3e3-9ce7-4cdd-b7b4-8899ea88d289" providerId="ADAL" clId="{4725F99E-EFE0-4780-BB38-6BDDFB9F73C4}" dt="2025-10-27T07:44:19.944" v="1027" actId="790"/>
-        <pc:sldMkLst>
-          <pc:docMk/>
-          <pc:sldMk cId="1659843495" sldId="268"/>
-        </pc:sldMkLst>
-        <pc:spChg chg="mod">
-          <ac:chgData name="Graf Thomas, SCS-INI-NET-VNC-E2E" userId="487bc3e3-9ce7-4cdd-b7b4-8899ea88d289" providerId="ADAL" clId="{4725F99E-EFE0-4780-BB38-6BDDFB9F73C4}" dt="2025-10-27T07:44:19.944" v="1027" actId="790"/>
-          <ac:spMkLst>
-            <pc:docMk/>
-            <pc:sldMk cId="1659843495" sldId="268"/>
-            <ac:spMk id="113" creationId="{00000000-0000-0000-0000-000000000000}"/>
-          </ac:spMkLst>
-        </pc:spChg>
-        <pc:spChg chg="mod">
-          <ac:chgData name="Graf Thomas, SCS-INI-NET-VNC-E2E" userId="487bc3e3-9ce7-4cdd-b7b4-8899ea88d289" providerId="ADAL" clId="{4725F99E-EFE0-4780-BB38-6BDDFB9F73C4}" dt="2025-10-27T07:44:19.944" v="1027" actId="790"/>
-          <ac:spMkLst>
-            <pc:docMk/>
-            <pc:sldMk cId="1659843495" sldId="268"/>
-            <ac:spMk id="114" creationId="{00000000-0000-0000-0000-000000000000}"/>
-          </ac:spMkLst>
-        </pc:spChg>
-      </pc:sldChg>
-      <pc:sldChg chg="modSp mod">
-        <pc:chgData name="Graf Thomas, SCS-INI-NET-VNC-E2E" userId="487bc3e3-9ce7-4cdd-b7b4-8899ea88d289" providerId="ADAL" clId="{4725F99E-EFE0-4780-BB38-6BDDFB9F73C4}" dt="2025-10-27T07:48:26.232" v="1037" actId="14100"/>
-        <pc:sldMkLst>
-          <pc:docMk/>
-          <pc:sldMk cId="2128497270" sldId="269"/>
-        </pc:sldMkLst>
-      </pc:sldChg>
-      <pc:sldChg chg="modSp mod">
-        <pc:chgData name="Graf Thomas, SCS-INI-NET-VNC-E2E" userId="487bc3e3-9ce7-4cdd-b7b4-8899ea88d289" providerId="ADAL" clId="{4725F99E-EFE0-4780-BB38-6BDDFB9F73C4}" dt="2025-10-27T07:49:36.115" v="1042" actId="20577"/>
-        <pc:sldMkLst>
-          <pc:docMk/>
-          <pc:sldMk cId="2434865477" sldId="270"/>
-        </pc:sldMkLst>
-        <pc:spChg chg="mod">
-          <ac:chgData name="Graf Thomas, SCS-INI-NET-VNC-E2E" userId="487bc3e3-9ce7-4cdd-b7b4-8899ea88d289" providerId="ADAL" clId="{4725F99E-EFE0-4780-BB38-6BDDFB9F73C4}" dt="2025-10-27T07:44:12.337" v="1026" actId="790"/>
-          <ac:spMkLst>
-            <pc:docMk/>
-            <pc:sldMk cId="2434865477" sldId="270"/>
-            <ac:spMk id="2" creationId="{0B9E15DC-F076-98D2-1BDF-BC01FEC9047B}"/>
-          </ac:spMkLst>
-        </pc:spChg>
-        <pc:spChg chg="mod">
-          <ac:chgData name="Graf Thomas, SCS-INI-NET-VNC-E2E" userId="487bc3e3-9ce7-4cdd-b7b4-8899ea88d289" providerId="ADAL" clId="{4725F99E-EFE0-4780-BB38-6BDDFB9F73C4}" dt="2025-10-27T07:49:36.115" v="1042" actId="20577"/>
-          <ac:spMkLst>
-            <pc:docMk/>
-            <pc:sldMk cId="2434865477" sldId="270"/>
-            <ac:spMk id="3" creationId="{DA4A6F5D-9442-B583-BAB9-5A102B90EC22}"/>
-          </ac:spMkLst>
-        </pc:spChg>
-        <pc:spChg chg="mod">
-          <ac:chgData name="Graf Thomas, SCS-INI-NET-VNC-E2E" userId="487bc3e3-9ce7-4cdd-b7b4-8899ea88d289" providerId="ADAL" clId="{4725F99E-EFE0-4780-BB38-6BDDFB9F73C4}" dt="2025-10-27T07:44:12.337" v="1026" actId="790"/>
-          <ac:spMkLst>
-            <pc:docMk/>
-            <pc:sldMk cId="2434865477" sldId="270"/>
-            <ac:spMk id="4" creationId="{D216BDC7-4DE9-D9D5-0725-BBEF6CFE8DF1}"/>
-          </ac:spMkLst>
-        </pc:spChg>
-      </pc:sldChg>
-      <pc:sldChg chg="addSp delSp modSp mod">
-        <pc:chgData name="Graf Thomas, SCS-INI-NET-VNC-E2E" userId="487bc3e3-9ce7-4cdd-b7b4-8899ea88d289" providerId="ADAL" clId="{4725F99E-EFE0-4780-BB38-6BDDFB9F73C4}" dt="2025-10-27T07:48:35.751" v="1040" actId="14100"/>
-        <pc:sldMkLst>
-          <pc:docMk/>
-          <pc:sldMk cId="1859012803" sldId="271"/>
-        </pc:sldMkLst>
-        <pc:spChg chg="mod">
-          <ac:chgData name="Graf Thomas, SCS-INI-NET-VNC-E2E" userId="487bc3e3-9ce7-4cdd-b7b4-8899ea88d289" providerId="ADAL" clId="{4725F99E-EFE0-4780-BB38-6BDDFB9F73C4}" dt="2025-10-27T07:38:34.436" v="1021" actId="20577"/>
-          <ac:spMkLst>
-            <pc:docMk/>
-            <pc:sldMk cId="1859012803" sldId="271"/>
-            <ac:spMk id="2" creationId="{0B9E15DC-F076-98D2-1BDF-BC01FEC9047B}"/>
-          </ac:spMkLst>
-        </pc:spChg>
-        <pc:spChg chg="mod">
-          <ac:chgData name="Graf Thomas, SCS-INI-NET-VNC-E2E" userId="487bc3e3-9ce7-4cdd-b7b4-8899ea88d289" providerId="ADAL" clId="{4725F99E-EFE0-4780-BB38-6BDDFB9F73C4}" dt="2025-10-27T07:48:35.751" v="1040" actId="14100"/>
-          <ac:spMkLst>
-            <pc:docMk/>
-            <pc:sldMk cId="1859012803" sldId="271"/>
-            <ac:spMk id="4" creationId="{D216BDC7-4DE9-D9D5-0725-BBEF6CFE8DF1}"/>
-          </ac:spMkLst>
-        </pc:spChg>
-      </pc:sldChg>
-      <pc:sldChg chg="del">
-        <pc:chgData name="Graf Thomas, SCS-INI-NET-VNC-E2E" userId="487bc3e3-9ce7-4cdd-b7b4-8899ea88d289" providerId="ADAL" clId="{4725F99E-EFE0-4780-BB38-6BDDFB9F73C4}" dt="2025-10-27T07:29:31.409" v="861" actId="2696"/>
-        <pc:sldMkLst>
-          <pc:docMk/>
-          <pc:sldMk cId="333926329" sldId="272"/>
-        </pc:sldMkLst>
-      </pc:sldChg>
-    </pc:docChg>
-  </pc:docChgLst>
-</pc:chgInfo>
 </file>
 
 <file path=ppt/notesMasters/notesMaster1.xml><?xml version="1.0" encoding="utf-8"?>
@@ -30583,7 +29958,7 @@
         <p:fade/>
       </p:transition>
     </mc:Choice>
-    <mc:Fallback xmlns="" xmlns:mv="urn:schemas-microsoft-com:mac:vml" xmlns:c="http://schemas.openxmlformats.org/drawingml/2006/chart" xmlns:dgm="http://schemas.openxmlformats.org/drawingml/2006/diagram" xmlns:o="urn:schemas-microsoft-com:office:office" xmlns:v="urn:schemas-microsoft-com:vml" xmlns:pvml="urn:schemas-microsoft-com:office:powerpoint" xmlns:com="http://schemas.openxmlformats.org/drawingml/2006/compatibility" xmlns:p15="http://schemas.microsoft.com/office/powerpoint/2012/main" xmlns:ahyp="http://schemas.microsoft.com/office/drawing/2018/hyperlinkcolor">
+    <mc:Fallback xmlns:ahyp="http://schemas.microsoft.com/office/drawing/2018/hyperlinkcolor" xmlns:p15="http://schemas.microsoft.com/office/powerpoint/2012/main" xmlns:com="http://schemas.openxmlformats.org/drawingml/2006/compatibility" xmlns:pvml="urn:schemas-microsoft-com:office:powerpoint" xmlns:v="urn:schemas-microsoft-com:vml" xmlns:o="urn:schemas-microsoft-com:office:office" xmlns:dgm="http://schemas.openxmlformats.org/drawingml/2006/diagram" xmlns:c="http://schemas.openxmlformats.org/drawingml/2006/chart" xmlns:mv="urn:schemas-microsoft-com:mac:vml" xmlns="">
       <p:transition spd="slow">
         <p:fade/>
       </p:transition>
@@ -30698,216 +30073,6 @@
                   <a:srgbClr val="000000"/>
                 </a:solidFill>
               </a:rPr>
-              <a:t>In-person participants</a:t>
-            </a:r>
-            <a:endParaRPr lang="en-US" sz="1600" dirty="0">
-              <a:solidFill>
-                <a:srgbClr val="000000"/>
-              </a:solidFill>
-            </a:endParaRPr>
-          </a:p>
-          <a:p>
-            <a:pPr marL="457200" lvl="0" indent="-330200" algn="l" rtl="0">
-              <a:lnSpc>
-                <a:spcPct val="110000"/>
-              </a:lnSpc>
-              <a:spcBef>
-                <a:spcPts val="300"/>
-              </a:spcBef>
-              <a:spcAft>
-                <a:spcPts val="0"/>
-              </a:spcAft>
-              <a:buClr>
-                <a:srgbClr val="000000"/>
-              </a:buClr>
-              <a:buSzPts val="1600"/>
-              <a:buChar char="●"/>
-            </a:pPr>
-            <a:r>
-              <a:rPr lang="en-US" sz="1600" dirty="0">
-                <a:solidFill>
-                  <a:srgbClr val="000000"/>
-                </a:solidFill>
-              </a:rPr>
-              <a:t>Make sure to sign into the session via </a:t>
-            </a:r>
-            <a:r>
-              <a:rPr lang="en-US" sz="1600" dirty="0" err="1">
-                <a:solidFill>
-                  <a:srgbClr val="000000"/>
-                </a:solidFill>
-              </a:rPr>
-              <a:t>Datatracker</a:t>
-            </a:r>
-            <a:r>
-              <a:rPr lang="en-US" sz="1600" dirty="0">
-                <a:solidFill>
-                  <a:srgbClr val="000000"/>
-                </a:solidFill>
-              </a:rPr>
-              <a:t> or the QR Code in this session.</a:t>
-            </a:r>
-          </a:p>
-          <a:p>
-            <a:pPr marL="457200" lvl="0" indent="-330200" algn="l" rtl="0">
-              <a:lnSpc>
-                <a:spcPct val="110000"/>
-              </a:lnSpc>
-              <a:spcBef>
-                <a:spcPts val="0"/>
-              </a:spcBef>
-              <a:spcAft>
-                <a:spcPts val="0"/>
-              </a:spcAft>
-              <a:buClr>
-                <a:srgbClr val="000000"/>
-              </a:buClr>
-              <a:buSzPts val="1600"/>
-              <a:buChar char="●"/>
-            </a:pPr>
-            <a:r>
-              <a:rPr lang="en-US" sz="1600" dirty="0">
-                <a:solidFill>
-                  <a:srgbClr val="000000"/>
-                </a:solidFill>
-              </a:rPr>
-              <a:t>Use </a:t>
-            </a:r>
-            <a:r>
-              <a:rPr lang="en-US" sz="1600" dirty="0" err="1">
-                <a:solidFill>
-                  <a:srgbClr val="000000"/>
-                </a:solidFill>
-              </a:rPr>
-              <a:t>Meetecho</a:t>
-            </a:r>
-            <a:r>
-              <a:rPr lang="en-US" sz="1600" dirty="0">
-                <a:solidFill>
-                  <a:srgbClr val="000000"/>
-                </a:solidFill>
-              </a:rPr>
-              <a:t> (usually the “</a:t>
-            </a:r>
-            <a:r>
-              <a:rPr lang="en-US" sz="1600" dirty="0" err="1">
-                <a:solidFill>
-                  <a:srgbClr val="000000"/>
-                </a:solidFill>
-              </a:rPr>
-              <a:t>Meetecho</a:t>
-            </a:r>
-            <a:r>
-              <a:rPr lang="en-US" sz="1600" dirty="0">
-                <a:solidFill>
-                  <a:srgbClr val="000000"/>
-                </a:solidFill>
-              </a:rPr>
-              <a:t> lite”) client to:</a:t>
-            </a:r>
-          </a:p>
-          <a:p>
-            <a:pPr marL="914400" lvl="1" indent="-330200" algn="l" rtl="0">
-              <a:lnSpc>
-                <a:spcPct val="110000"/>
-              </a:lnSpc>
-              <a:spcBef>
-                <a:spcPts val="0"/>
-              </a:spcBef>
-              <a:spcAft>
-                <a:spcPts val="0"/>
-              </a:spcAft>
-              <a:buClr>
-                <a:srgbClr val="000000"/>
-              </a:buClr>
-              <a:buSzPts val="1600"/>
-              <a:buChar char="○"/>
-            </a:pPr>
-            <a:r>
-              <a:rPr lang="en-US" sz="1600" dirty="0">
-                <a:solidFill>
-                  <a:srgbClr val="000000"/>
-                </a:solidFill>
-              </a:rPr>
-              <a:t>join the mic queue</a:t>
-            </a:r>
-          </a:p>
-          <a:p>
-            <a:pPr marL="914400" lvl="1" indent="-330200" algn="l" rtl="0">
-              <a:lnSpc>
-                <a:spcPct val="110000"/>
-              </a:lnSpc>
-              <a:spcBef>
-                <a:spcPts val="0"/>
-              </a:spcBef>
-              <a:spcAft>
-                <a:spcPts val="0"/>
-              </a:spcAft>
-              <a:buClr>
-                <a:srgbClr val="000000"/>
-              </a:buClr>
-              <a:buSzPts val="1600"/>
-              <a:buChar char="○"/>
-            </a:pPr>
-            <a:r>
-              <a:rPr lang="en-US" sz="1600" dirty="0">
-                <a:solidFill>
-                  <a:srgbClr val="000000"/>
-                </a:solidFill>
-              </a:rPr>
-              <a:t>participate in shows of hands</a:t>
-            </a:r>
-          </a:p>
-          <a:p>
-            <a:pPr marL="457200" lvl="0" indent="-330200" algn="l" rtl="0">
-              <a:lnSpc>
-                <a:spcPct val="110000"/>
-              </a:lnSpc>
-              <a:spcBef>
-                <a:spcPts val="0"/>
-              </a:spcBef>
-              <a:spcAft>
-                <a:spcPts val="0"/>
-              </a:spcAft>
-              <a:buClr>
-                <a:srgbClr val="000000"/>
-              </a:buClr>
-              <a:buSzPts val="1600"/>
-              <a:buChar char="●"/>
-            </a:pPr>
-            <a:r>
-              <a:rPr lang="en-US" sz="1600" i="1" dirty="0">
-                <a:solidFill>
-                  <a:srgbClr val="000000"/>
-                </a:solidFill>
-              </a:rPr>
-              <a:t>Keep audio and video off if not using the onsite version.</a:t>
-            </a:r>
-            <a:endParaRPr lang="en-US" sz="1600" b="1" dirty="0">
-              <a:solidFill>
-                <a:srgbClr val="000000"/>
-              </a:solidFill>
-            </a:endParaRPr>
-          </a:p>
-          <a:p>
-            <a:pPr marL="0" lvl="0" indent="0" algn="l" rtl="0">
-              <a:lnSpc>
-                <a:spcPct val="110000"/>
-              </a:lnSpc>
-              <a:spcBef>
-                <a:spcPts val="300"/>
-              </a:spcBef>
-              <a:spcAft>
-                <a:spcPts val="0"/>
-              </a:spcAft>
-              <a:buNone/>
-            </a:pPr>
-            <a:r>
-              <a:rPr lang="en-US" sz="1600" b="1" dirty="0">
-                <a:solidFill>
-                  <a:srgbClr val="000000"/>
-                </a:solidFill>
-              </a:rPr>
               <a:t>Remote participants </a:t>
             </a:r>
             <a:endParaRPr lang="en-US" sz="1600" dirty="0">
@@ -31073,41 +30238,6 @@
           </a:p>
         </p:txBody>
       </p:sp>
-      <p:pic>
-        <p:nvPicPr>
-          <p:cNvPr id="123" name="Google Shape;123;p22"/>
-          <p:cNvPicPr preferRelativeResize="0"/>
-          <p:nvPr/>
-        </p:nvPicPr>
-        <p:blipFill>
-          <a:blip r:embed="rId3">
-            <a:alphaModFix/>
-          </a:blip>
-          <a:stretch>
-            <a:fillRect/>
-          </a:stretch>
-        </p:blipFill>
-        <p:spPr>
-          <a:xfrm>
-            <a:off x="6916950" y="2699300"/>
-            <a:ext cx="1818475" cy="810300"/>
-          </a:xfrm>
-          <a:prstGeom prst="rect">
-            <a:avLst/>
-          </a:prstGeom>
-          <a:noFill/>
-          <a:ln>
-            <a:noFill/>
-          </a:ln>
-          <a:effectLst>
-            <a:outerShdw blurRad="114300" dist="19050" dir="3000000" algn="bl" rotWithShape="0">
-              <a:srgbClr val="000000">
-                <a:alpha val="50000"/>
-              </a:srgbClr>
-            </a:outerShdw>
-          </a:effectLst>
-        </p:spPr>
-      </p:pic>
     </p:spTree>
   </p:cSld>
   <p:clrMapOvr>
@@ -31184,27 +30314,34 @@
           <a:p>
             <a:r>
               <a:rPr lang="en-US" sz="1500" dirty="0"/>
-              <a:t>Due to similar topics we wanted to facilitate the exchange and discussions between both working groups by having a joint session again and start exploring a joint charter with Qin Wu together. Many thanks Qin for supporting us here.</a:t>
+              <a:t>Due to similar topics we wanted to facilitate the exchange and discussions between both working groups by having a joint session again and start exploring a joint charter with Qin Wu</a:t>
+            </a:r>
+            <a:r>
+              <a:rPr lang="en-001" sz="1500" dirty="0"/>
+              <a:t>.</a:t>
             </a:r>
           </a:p>
           <a:p>
-            <a:pPr>
-              <a:spcBef>
-                <a:spcPts val="1200"/>
-              </a:spcBef>
-            </a:pPr>
+            <a:endParaRPr lang="en-001" sz="1500" dirty="0"/>
+          </a:p>
+          <a:p>
             <a:r>
               <a:rPr lang="en-US" sz="1500" dirty="0"/>
-              <a:t>Qin will be presenting at the end of this session an overview about the current state of both working groups and </a:t>
+              <a:t>Qin </a:t>
             </a:r>
             <a:r>
-              <a:rPr lang="en-US" sz="1500"/>
-              <a:t>the benefits </a:t>
+              <a:rPr lang="en-001" sz="1500" dirty="0"/>
+              <a:t>presented the rationale for joint chartering at IETF 124</a:t>
             </a:r>
             <a:r>
               <a:rPr lang="en-US" sz="1500" dirty="0"/>
-              <a:t>of a joint charter.</a:t>
+              <a:t>.</a:t>
             </a:r>
+            <a:r>
+              <a:rPr lang="en-001" sz="1500" dirty="0"/>
+              <a:t> Since then we have collected feedback from participants of both working groups.</a:t>
+            </a:r>
+            <a:endParaRPr lang="en-US" sz="1500" dirty="0"/>
           </a:p>
           <a:p>
             <a:pPr>
@@ -31213,9 +30350,10 @@
               </a:spcBef>
             </a:pPr>
             <a:r>
-              <a:rPr lang="en-US" sz="1500" dirty="0"/>
-              <a:t>We are looking forward to as much feedback from both working groups during Qin's presentation, on the mailing list and at the next interim meeting on November 20th where we allocated another 30 minutes for joint chartering discussions.</a:t>
+              <a:rPr lang="en-001" sz="1500" dirty="0"/>
+              <a:t>At the end of this meeting Qin will present the current status of the ongoing discussions.</a:t>
             </a:r>
+            <a:endParaRPr lang="en-US" sz="1500" dirty="0"/>
           </a:p>
         </p:txBody>
       </p:sp>
@@ -33531,6 +32669,23 @@
 </file>
 
 <file path=customXml/item1.xml><?xml version="1.0" encoding="utf-8"?>
+<p:properties xmlns:p="http://schemas.microsoft.com/office/2006/metadata/properties" xmlns:xsi="http://www.w3.org/2001/XMLSchema-instance" xmlns:pc="http://schemas.microsoft.com/office/infopath/2007/PartnerControls">
+  <documentManagement>
+    <_activity xmlns="3e5e162a-5953-4fde-83b3-9639e6ab13bb" xsi:nil="true"/>
+  </documentManagement>
+</p:properties>
+</file>
+
+<file path=customXml/item2.xml><?xml version="1.0" encoding="utf-8"?>
+<?mso-contentType ?>
+<FormTemplates xmlns="http://schemas.microsoft.com/sharepoint/v3/contenttype/forms">
+  <Display>DocumentLibraryForm</Display>
+  <Edit>DocumentLibraryForm</Edit>
+  <New>DocumentLibraryForm</New>
+</FormTemplates>
+</file>
+
+<file path=customXml/item3.xml><?xml version="1.0" encoding="utf-8"?>
 <ct:contentTypeSchema xmlns:ct="http://schemas.microsoft.com/office/2006/metadata/contentType" xmlns:ma="http://schemas.microsoft.com/office/2006/metadata/properties/metaAttributes" ct:_="" ma:_="" ma:contentTypeName="Dokument" ma:contentTypeID="0x01010028792A905D4FBE4781303B372FFF56B7" ma:contentTypeVersion="18" ma:contentTypeDescription="Ein neues Dokument erstellen." ma:contentTypeScope="" ma:versionID="1bed101c48ab8d637c0f10f3a19033d6">
   <xsd:schema xmlns:xsd="http://www.w3.org/2001/XMLSchema" xmlns:xs="http://www.w3.org/2001/XMLSchema" xmlns:p="http://schemas.microsoft.com/office/2006/metadata/properties" xmlns:ns3="3e5e162a-5953-4fde-83b3-9639e6ab13bb" xmlns:ns4="266fa233-377d-43d6-82a1-e70154e55ff7" targetNamespace="http://schemas.microsoft.com/office/2006/metadata/properties" ma:root="true" ma:fieldsID="ad54ca06dfd6fdd081bd33575dcf7e57" ns3:_="" ns4:_="">
     <xsd:import namespace="3e5e162a-5953-4fde-83b3-9639e6ab13bb"/>
@@ -33783,24 +32938,32 @@
 </ct:contentTypeSchema>
 </file>
 
-<file path=customXml/item2.xml><?xml version="1.0" encoding="utf-8"?>
-<?mso-contentType ?>
-<FormTemplates xmlns="http://schemas.microsoft.com/sharepoint/v3/contenttype/forms">
-  <Display>DocumentLibraryForm</Display>
-  <Edit>DocumentLibraryForm</Edit>
-  <New>DocumentLibraryForm</New>
-</FormTemplates>
+<file path=customXml/itemProps1.xml><?xml version="1.0" encoding="utf-8"?>
+<ds:datastoreItem xmlns:ds="http://schemas.openxmlformats.org/officeDocument/2006/customXml" ds:itemID="{3D7021EF-4D3D-4708-92FB-F2CD02CEF7A1}">
+  <ds:schemaRefs>
+    <ds:schemaRef ds:uri="http://schemas.openxmlformats.org/package/2006/metadata/core-properties"/>
+    <ds:schemaRef ds:uri="http://schemas.microsoft.com/office/2006/documentManagement/types"/>
+    <ds:schemaRef ds:uri="http://schemas.microsoft.com/office/infopath/2007/PartnerControls"/>
+    <ds:schemaRef ds:uri="http://purl.org/dc/elements/1.1/"/>
+    <ds:schemaRef ds:uri="http://schemas.microsoft.com/office/2006/metadata/properties"/>
+    <ds:schemaRef ds:uri="3e5e162a-5953-4fde-83b3-9639e6ab13bb"/>
+    <ds:schemaRef ds:uri="266fa233-377d-43d6-82a1-e70154e55ff7"/>
+    <ds:schemaRef ds:uri="http://purl.org/dc/terms/"/>
+    <ds:schemaRef ds:uri="http://www.w3.org/XML/1998/namespace"/>
+    <ds:schemaRef ds:uri="http://purl.org/dc/dcmitype/"/>
+  </ds:schemaRefs>
+</ds:datastoreItem>
 </file>
 
-<file path=customXml/item3.xml><?xml version="1.0" encoding="utf-8"?>
-<p:properties xmlns:p="http://schemas.microsoft.com/office/2006/metadata/properties" xmlns:xsi="http://www.w3.org/2001/XMLSchema-instance" xmlns:pc="http://schemas.microsoft.com/office/infopath/2007/PartnerControls">
-  <documentManagement>
-    <_activity xmlns="3e5e162a-5953-4fde-83b3-9639e6ab13bb" xsi:nil="true"/>
-  </documentManagement>
-</p:properties>
+<file path=customXml/itemProps2.xml><?xml version="1.0" encoding="utf-8"?>
+<ds:datastoreItem xmlns:ds="http://schemas.openxmlformats.org/officeDocument/2006/customXml" ds:itemID="{9104BBC9-6B71-4DC1-A0E0-1E198363AC7F}">
+  <ds:schemaRefs>
+    <ds:schemaRef ds:uri="http://schemas.microsoft.com/sharepoint/v3/contenttype/forms"/>
+  </ds:schemaRefs>
+</ds:datastoreItem>
 </file>
 
-<file path=customXml/itemProps1.xml><?xml version="1.0" encoding="utf-8"?>
+<file path=customXml/itemProps3.xml><?xml version="1.0" encoding="utf-8"?>
 <ds:datastoreItem xmlns:ds="http://schemas.openxmlformats.org/officeDocument/2006/customXml" ds:itemID="{F4805544-B524-4E4A-B7C1-6ABFC599928D}">
   <ds:schemaRefs>
     <ds:schemaRef ds:uri="http://schemas.microsoft.com/office/2006/metadata/contentType"/>
@@ -33819,31 +32982,6 @@
 </ds:datastoreItem>
 </file>
 
-<file path=customXml/itemProps2.xml><?xml version="1.0" encoding="utf-8"?>
-<ds:datastoreItem xmlns:ds="http://schemas.openxmlformats.org/officeDocument/2006/customXml" ds:itemID="{9104BBC9-6B71-4DC1-A0E0-1E198363AC7F}">
-  <ds:schemaRefs>
-    <ds:schemaRef ds:uri="http://schemas.microsoft.com/sharepoint/v3/contenttype/forms"/>
-  </ds:schemaRefs>
-</ds:datastoreItem>
-</file>
-
-<file path=customXml/itemProps3.xml><?xml version="1.0" encoding="utf-8"?>
-<ds:datastoreItem xmlns:ds="http://schemas.openxmlformats.org/officeDocument/2006/customXml" ds:itemID="{3D7021EF-4D3D-4708-92FB-F2CD02CEF7A1}">
-  <ds:schemaRefs>
-    <ds:schemaRef ds:uri="http://schemas.openxmlformats.org/package/2006/metadata/core-properties"/>
-    <ds:schemaRef ds:uri="http://schemas.microsoft.com/office/2006/documentManagement/types"/>
-    <ds:schemaRef ds:uri="http://schemas.microsoft.com/office/infopath/2007/PartnerControls"/>
-    <ds:schemaRef ds:uri="http://purl.org/dc/elements/1.1/"/>
-    <ds:schemaRef ds:uri="http://schemas.microsoft.com/office/2006/metadata/properties"/>
-    <ds:schemaRef ds:uri="3e5e162a-5953-4fde-83b3-9639e6ab13bb"/>
-    <ds:schemaRef ds:uri="266fa233-377d-43d6-82a1-e70154e55ff7"/>
-    <ds:schemaRef ds:uri="http://purl.org/dc/terms/"/>
-    <ds:schemaRef ds:uri="http://www.w3.org/XML/1998/namespace"/>
-    <ds:schemaRef ds:uri="http://purl.org/dc/dcmitype/"/>
-  </ds:schemaRefs>
-</ds:datastoreItem>
-</file>
-
 <file path=docMetadata/LabelInfo.xml><?xml version="1.0" encoding="utf-8"?>
 <clbl:labelList xmlns:clbl="http://schemas.microsoft.com/office/2020/mipLabelMetadata">
   <clbl:label id="{2e1fccfb-80ca-4fe1-a574-1516544edb53}" enabled="1" method="Standard" siteId="{364e5b87-c1c7-420d-9bee-c35d19b557a1}" removed="0"/>

--- a/interim-01/Slides/chair-slides-bmwg-ippm.pptx
+++ b/interim-01/Slides/chair-slides-bmwg-ippm.pptx
@@ -7,7 +7,7 @@
     <p:sldMasterId id="2147483666" r:id="rId6"/>
   </p:sldMasterIdLst>
   <p:notesMasterIdLst>
-    <p:notesMasterId r:id="rId17"/>
+    <p:notesMasterId r:id="rId18"/>
   </p:notesMasterIdLst>
   <p:sldIdLst>
     <p:sldId id="256" r:id="rId7"/>
@@ -19,50 +19,51 @@
     <p:sldId id="261" r:id="rId13"/>
     <p:sldId id="264" r:id="rId14"/>
     <p:sldId id="271" r:id="rId15"/>
-    <p:sldId id="260" r:id="rId16"/>
+    <p:sldId id="266" r:id="rId16"/>
+    <p:sldId id="260" r:id="rId17"/>
   </p:sldIdLst>
   <p:sldSz cx="9144000" cy="5143500" type="screen16x9"/>
   <p:notesSz cx="6858000" cy="9144000"/>
   <p:embeddedFontLst>
     <p:embeddedFont>
       <p:font typeface="Inter" panose="020B0604020202020204" charset="0"/>
-      <p:regular r:id="rId18"/>
-      <p:bold r:id="rId19"/>
-      <p:italic r:id="rId20"/>
-      <p:boldItalic r:id="rId21"/>
+      <p:regular r:id="rId19"/>
+      <p:bold r:id="rId20"/>
+      <p:italic r:id="rId21"/>
+      <p:boldItalic r:id="rId22"/>
     </p:embeddedFont>
     <p:embeddedFont>
       <p:font typeface="Montserrat" panose="00000500000000000000" pitchFamily="2" charset="0"/>
-      <p:regular r:id="rId22"/>
-      <p:bold r:id="rId23"/>
-      <p:italic r:id="rId24"/>
-      <p:boldItalic r:id="rId25"/>
+      <p:regular r:id="rId23"/>
+      <p:bold r:id="rId24"/>
+      <p:italic r:id="rId25"/>
+      <p:boldItalic r:id="rId26"/>
     </p:embeddedFont>
     <p:embeddedFont>
       <p:font typeface="Open Sans" panose="020B0606030504020204" pitchFamily="34" charset="0"/>
-      <p:regular r:id="rId26"/>
-      <p:bold r:id="rId27"/>
-      <p:italic r:id="rId28"/>
-      <p:boldItalic r:id="rId29"/>
+      <p:regular r:id="rId27"/>
+      <p:bold r:id="rId28"/>
+      <p:italic r:id="rId29"/>
+      <p:boldItalic r:id="rId30"/>
     </p:embeddedFont>
     <p:embeddedFont>
       <p:font typeface="Open Sans Medium" panose="020B0604020202020204" charset="0"/>
-      <p:regular r:id="rId30"/>
-      <p:bold r:id="rId31"/>
-      <p:italic r:id="rId32"/>
-      <p:boldItalic r:id="rId33"/>
+      <p:regular r:id="rId31"/>
+      <p:bold r:id="rId32"/>
+      <p:italic r:id="rId33"/>
+      <p:boldItalic r:id="rId34"/>
     </p:embeddedFont>
     <p:embeddedFont>
       <p:font typeface="Open Sans SemiBold" panose="020B0706030804020204" pitchFamily="34" charset="0"/>
-      <p:bold r:id="rId34"/>
-      <p:boldItalic r:id="rId35"/>
+      <p:bold r:id="rId35"/>
+      <p:boldItalic r:id="rId36"/>
     </p:embeddedFont>
     <p:embeddedFont>
       <p:font typeface="Roboto" panose="02000000000000000000" pitchFamily="2" charset="0"/>
-      <p:regular r:id="rId36"/>
-      <p:bold r:id="rId37"/>
-      <p:italic r:id="rId38"/>
-      <p:boldItalic r:id="rId39"/>
+      <p:regular r:id="rId37"/>
+      <p:bold r:id="rId38"/>
+      <p:italic r:id="rId39"/>
+      <p:boldItalic r:id="rId40"/>
     </p:embeddedFont>
   </p:embeddedFontLst>
   <p:defaultTextStyle>
@@ -917,6 +918,72 @@
 </file>
 
 <file path=ppt/notesSlides/notesSlide10.xml><?xml version="1.0" encoding="utf-8"?>
+<p:notes xmlns:a="http://schemas.openxmlformats.org/drawingml/2006/main" xmlns:r="http://schemas.openxmlformats.org/officeDocument/2006/relationships" xmlns:p="http://schemas.openxmlformats.org/presentationml/2006/main">
+  <p:cSld>
+    <p:spTree>
+      <p:nvGrpSpPr>
+        <p:cNvPr id="1" name=""/>
+        <p:cNvGrpSpPr/>
+        <p:nvPr/>
+      </p:nvGrpSpPr>
+      <p:grpSpPr>
+        <a:xfrm>
+          <a:off x="0" y="0"/>
+          <a:ext cx="0" cy="0"/>
+          <a:chOff x="0" y="0"/>
+          <a:chExt cx="0" cy="0"/>
+        </a:xfrm>
+      </p:grpSpPr>
+      <p:sp>
+        <p:nvSpPr>
+          <p:cNvPr id="2" name="Slide Image Placeholder 1"/>
+          <p:cNvSpPr>
+            <a:spLocks noGrp="1" noRot="1" noChangeAspect="1"/>
+          </p:cNvSpPr>
+          <p:nvPr>
+            <p:ph type="sldImg"/>
+          </p:nvPr>
+        </p:nvSpPr>
+        <p:spPr>
+          <a:xfrm>
+            <a:off x="381000" y="685800"/>
+            <a:ext cx="6096000" cy="3429000"/>
+          </a:xfrm>
+        </p:spPr>
+      </p:sp>
+      <p:sp>
+        <p:nvSpPr>
+          <p:cNvPr id="3" name="Notes Placeholder 2"/>
+          <p:cNvSpPr>
+            <a:spLocks noGrp="1"/>
+          </p:cNvSpPr>
+          <p:nvPr>
+            <p:ph type="body" idx="1"/>
+          </p:nvPr>
+        </p:nvSpPr>
+        <p:spPr/>
+        <p:txBody>
+          <a:bodyPr/>
+          <a:lstStyle/>
+          <a:p>
+            <a:endParaRPr lang="en-US" dirty="0"/>
+          </a:p>
+        </p:txBody>
+      </p:sp>
+    </p:spTree>
+    <p:extLst>
+      <p:ext uri="{BB962C8B-B14F-4D97-AF65-F5344CB8AC3E}">
+        <p14:creationId xmlns:p14="http://schemas.microsoft.com/office/powerpoint/2010/main" val="708108404"/>
+      </p:ext>
+    </p:extLst>
+  </p:cSld>
+  <p:clrMapOvr>
+    <a:masterClrMapping/>
+  </p:clrMapOvr>
+</p:notes>
+</file>
+
+<file path=ppt/notesSlides/notesSlide11.xml><?xml version="1.0" encoding="utf-8"?>
 <p:notes xmlns:a="http://schemas.openxmlformats.org/drawingml/2006/main" xmlns:r="http://schemas.openxmlformats.org/officeDocument/2006/relationships" xmlns:p="http://schemas.openxmlformats.org/presentationml/2006/main" showMasterSp="0" showMasterPhAnim="0">
   <p:cSld>
     <p:spTree>
@@ -28707,6 +28774,694 @@
 </file>
 
 <file path=ppt/slides/slide10.xml><?xml version="1.0" encoding="utf-8"?>
+<p:sld xmlns:a="http://schemas.openxmlformats.org/drawingml/2006/main" xmlns:r="http://schemas.openxmlformats.org/officeDocument/2006/relationships" xmlns:p="http://schemas.openxmlformats.org/presentationml/2006/main">
+  <p:cSld>
+    <p:spTree>
+      <p:nvGrpSpPr>
+        <p:cNvPr id="1" name=""/>
+        <p:cNvGrpSpPr/>
+        <p:nvPr/>
+      </p:nvGrpSpPr>
+      <p:grpSpPr>
+        <a:xfrm>
+          <a:off x="0" y="0"/>
+          <a:ext cx="0" cy="0"/>
+          <a:chOff x="0" y="0"/>
+          <a:chExt cx="0" cy="0"/>
+        </a:xfrm>
+      </p:grpSpPr>
+      <p:sp>
+        <p:nvSpPr>
+          <p:cNvPr id="2" name="Title 1">
+            <a:extLst>
+              <a:ext uri="{FF2B5EF4-FFF2-40B4-BE49-F238E27FC236}">
+                <a16:creationId xmlns:a16="http://schemas.microsoft.com/office/drawing/2014/main" id="{0B9E15DC-F076-98D2-1BDF-BC01FEC9047B}"/>
+              </a:ext>
+            </a:extLst>
+          </p:cNvPr>
+          <p:cNvSpPr>
+            <a:spLocks noGrp="1"/>
+          </p:cNvSpPr>
+          <p:nvPr>
+            <p:ph type="title"/>
+          </p:nvPr>
+        </p:nvSpPr>
+        <p:spPr>
+          <a:xfrm>
+            <a:off x="471899" y="218223"/>
+            <a:ext cx="8395009" cy="1288203"/>
+          </a:xfrm>
+        </p:spPr>
+        <p:txBody>
+          <a:bodyPr anchor="ctr"/>
+          <a:lstStyle/>
+          <a:p>
+            <a:r>
+              <a:rPr lang="en-US" sz="3200" dirty="0"/>
+              <a:t>BMWG and IPPM Document Updates</a:t>
+            </a:r>
+          </a:p>
+        </p:txBody>
+      </p:sp>
+      <p:sp>
+        <p:nvSpPr>
+          <p:cNvPr id="4" name="Slide Number Placeholder 3">
+            <a:extLst>
+              <a:ext uri="{FF2B5EF4-FFF2-40B4-BE49-F238E27FC236}">
+                <a16:creationId xmlns:a16="http://schemas.microsoft.com/office/drawing/2014/main" id="{D216BDC7-4DE9-D9D5-0725-BBEF6CFE8DF1}"/>
+              </a:ext>
+            </a:extLst>
+          </p:cNvPr>
+          <p:cNvSpPr>
+            <a:spLocks noGrp="1"/>
+          </p:cNvSpPr>
+          <p:nvPr>
+            <p:ph type="sldNum" idx="12"/>
+          </p:nvPr>
+        </p:nvSpPr>
+        <p:spPr>
+          <a:xfrm>
+            <a:off x="8694000" y="4724798"/>
+            <a:ext cx="378241" cy="335251"/>
+          </a:xfrm>
+        </p:spPr>
+        <p:txBody>
+          <a:bodyPr/>
+          <a:lstStyle/>
+          <a:p>
+            <a:pPr marL="0" lvl="0" indent="0" algn="r" rtl="0">
+              <a:spcBef>
+                <a:spcPts val="0"/>
+              </a:spcBef>
+              <a:spcAft>
+                <a:spcPts val="0"/>
+              </a:spcAft>
+              <a:buNone/>
+            </a:pPr>
+            <a:fld id="{00000000-1234-1234-1234-123412341234}" type="slidenum">
+              <a:rPr lang="en-US" smtClean="0"/>
+              <a:t>10</a:t>
+            </a:fld>
+            <a:endParaRPr lang="en-US" dirty="0"/>
+          </a:p>
+        </p:txBody>
+      </p:sp>
+      <p:sp>
+        <p:nvSpPr>
+          <p:cNvPr id="3" name="Text Placeholder 2">
+            <a:extLst>
+              <a:ext uri="{FF2B5EF4-FFF2-40B4-BE49-F238E27FC236}">
+                <a16:creationId xmlns:a16="http://schemas.microsoft.com/office/drawing/2014/main" id="{FED4E835-D652-159B-D0CD-7FC58A509645}"/>
+              </a:ext>
+            </a:extLst>
+          </p:cNvPr>
+          <p:cNvSpPr>
+            <a:spLocks noGrp="1"/>
+          </p:cNvSpPr>
+          <p:nvPr>
+            <p:ph type="body" idx="1"/>
+          </p:nvPr>
+        </p:nvSpPr>
+        <p:spPr>
+          <a:xfrm>
+            <a:off x="301916" y="1851076"/>
+            <a:ext cx="4197503" cy="2802986"/>
+          </a:xfrm>
+        </p:spPr>
+        <p:txBody>
+          <a:bodyPr/>
+          <a:lstStyle/>
+          <a:p>
+            <a:pPr marL="114300" indent="0">
+              <a:buNone/>
+            </a:pPr>
+            <a:r>
+              <a:rPr lang="de-CH" sz="1600" b="1" dirty="0"/>
+              <a:t>BMWG</a:t>
+            </a:r>
+            <a:endParaRPr lang="de-CH" sz="1600" b="1" dirty="0">
+              <a:hlinkClick r:id="rId3"/>
+            </a:endParaRPr>
+          </a:p>
+          <a:p>
+            <a:r>
+              <a:rPr lang="de-CH" sz="1200" b="1" dirty="0">
+                <a:hlinkClick r:id="rId3"/>
+              </a:rPr>
+              <a:t>draft-ietf-bmwg-mlrsearch</a:t>
+            </a:r>
+            <a:r>
+              <a:rPr lang="de-CH" sz="1200" b="1" dirty="0"/>
+              <a:t> </a:t>
+            </a:r>
+            <a:r>
+              <a:rPr lang="en-US" sz="1200" dirty="0"/>
+              <a:t>submitted to IESG for publication.</a:t>
+            </a:r>
+          </a:p>
+          <a:p>
+            <a:r>
+              <a:rPr lang="de-CH" sz="1200" b="1" dirty="0">
+                <a:hlinkClick r:id="rId4"/>
+              </a:rPr>
+              <a:t>draft-ietf-bmwg-network-tester-cfg</a:t>
+            </a:r>
+            <a:r>
+              <a:rPr lang="de-CH" sz="1200" dirty="0"/>
+              <a:t> passed WGLC but a new revision is needed to address the Yangdoctors review.</a:t>
+            </a:r>
+          </a:p>
+          <a:p>
+            <a:r>
+              <a:rPr lang="de-CH" sz="1200" b="1" dirty="0">
+                <a:hlinkClick r:id="rId5"/>
+              </a:rPr>
+              <a:t>draft-ietf-bmwg-sr-bench-meth</a:t>
+            </a:r>
+            <a:r>
+              <a:rPr lang="de-CH" sz="1200" b="1" dirty="0"/>
+              <a:t> </a:t>
+            </a:r>
+            <a:r>
+              <a:rPr lang="de-CH" sz="1200" dirty="0"/>
+              <a:t>preparing for the WGLC.</a:t>
+            </a:r>
+          </a:p>
+          <a:p>
+            <a:r>
+              <a:rPr lang="de-CH" sz="1200" b="1" dirty="0">
+                <a:hlinkClick r:id="rId6"/>
+              </a:rPr>
+              <a:t>draft-ietf-bmwg-powerbench</a:t>
+            </a:r>
+            <a:r>
+              <a:rPr lang="de-CH" sz="1200" b="1" dirty="0"/>
+              <a:t> </a:t>
+            </a:r>
+            <a:r>
+              <a:rPr lang="de-CH" sz="1200" dirty="0"/>
+              <a:t>just adopted.</a:t>
+            </a:r>
+          </a:p>
+          <a:p>
+            <a:r>
+              <a:rPr lang="de-CH" sz="1200" dirty="0"/>
+              <a:t>Resumed the discussion for revisiting BMWG RFCs in order to update RFC 2544.</a:t>
+            </a:r>
+          </a:p>
+        </p:txBody>
+      </p:sp>
+      <p:sp>
+        <p:nvSpPr>
+          <p:cNvPr id="7" name="Text Placeholder 2">
+            <a:extLst>
+              <a:ext uri="{FF2B5EF4-FFF2-40B4-BE49-F238E27FC236}">
+                <a16:creationId xmlns:a16="http://schemas.microsoft.com/office/drawing/2014/main" id="{C14FDDA7-186A-40C6-8EC3-6D66D9D98819}"/>
+              </a:ext>
+            </a:extLst>
+          </p:cNvPr>
+          <p:cNvSpPr txBox="1">
+            <a:spLocks/>
+          </p:cNvSpPr>
+          <p:nvPr/>
+        </p:nvSpPr>
+        <p:spPr>
+          <a:xfrm>
+            <a:off x="4499419" y="1851077"/>
+            <a:ext cx="4197503" cy="2802986"/>
+          </a:xfrm>
+          <a:prstGeom prst="rect">
+            <a:avLst/>
+          </a:prstGeom>
+          <a:noFill/>
+          <a:ln>
+            <a:noFill/>
+          </a:ln>
+        </p:spPr>
+        <p:txBody>
+          <a:bodyPr spcFirstLastPara="1" wrap="square" lIns="91400" tIns="91400" rIns="91400" bIns="91400" anchor="t" anchorCtr="0">
+            <a:noAutofit/>
+          </a:bodyPr>
+          <a:lstStyle>
+            <a:defPPr marR="0" lvl="0" algn="l" rtl="0">
+              <a:lnSpc>
+                <a:spcPct val="100000"/>
+              </a:lnSpc>
+              <a:spcBef>
+                <a:spcPts val="0"/>
+              </a:spcBef>
+              <a:spcAft>
+                <a:spcPts val="0"/>
+              </a:spcAft>
+            </a:defPPr>
+            <a:lvl1pPr marL="457200" marR="0" lvl="0" indent="-342900" algn="l" rtl="0">
+              <a:lnSpc>
+                <a:spcPct val="115000"/>
+              </a:lnSpc>
+              <a:spcBef>
+                <a:spcPts val="0"/>
+              </a:spcBef>
+              <a:spcAft>
+                <a:spcPts val="0"/>
+              </a:spcAft>
+              <a:buClr>
+                <a:srgbClr val="002D3C"/>
+              </a:buClr>
+              <a:buSzPts val="1800"/>
+              <a:buFont typeface="Inter"/>
+              <a:buChar char="●"/>
+              <a:defRPr sz="1800" b="0" i="0" u="none" strike="noStrike" cap="none">
+                <a:solidFill>
+                  <a:srgbClr val="002D3C"/>
+                </a:solidFill>
+                <a:latin typeface="Inter"/>
+                <a:ea typeface="Inter"/>
+                <a:cs typeface="Inter"/>
+                <a:sym typeface="Inter"/>
+              </a:defRPr>
+            </a:lvl1pPr>
+            <a:lvl2pPr marL="914400" marR="0" lvl="1" indent="-342900" algn="l" rtl="0">
+              <a:lnSpc>
+                <a:spcPct val="115000"/>
+              </a:lnSpc>
+              <a:spcBef>
+                <a:spcPts val="0"/>
+              </a:spcBef>
+              <a:spcAft>
+                <a:spcPts val="0"/>
+              </a:spcAft>
+              <a:buClr>
+                <a:srgbClr val="002D3C"/>
+              </a:buClr>
+              <a:buSzPts val="1800"/>
+              <a:buFont typeface="Inter"/>
+              <a:buChar char="○"/>
+              <a:defRPr sz="1800" b="0" i="0" u="none" strike="noStrike" cap="none">
+                <a:solidFill>
+                  <a:srgbClr val="002D3C"/>
+                </a:solidFill>
+                <a:latin typeface="Inter"/>
+                <a:ea typeface="Inter"/>
+                <a:cs typeface="Inter"/>
+                <a:sym typeface="Inter"/>
+              </a:defRPr>
+            </a:lvl2pPr>
+            <a:lvl3pPr marL="1371600" marR="0" lvl="2" indent="-342900" algn="l" rtl="0">
+              <a:lnSpc>
+                <a:spcPct val="115000"/>
+              </a:lnSpc>
+              <a:spcBef>
+                <a:spcPts val="0"/>
+              </a:spcBef>
+              <a:spcAft>
+                <a:spcPts val="0"/>
+              </a:spcAft>
+              <a:buClr>
+                <a:srgbClr val="002D3C"/>
+              </a:buClr>
+              <a:buSzPts val="1800"/>
+              <a:buFont typeface="Inter"/>
+              <a:buChar char="■"/>
+              <a:defRPr sz="1800" b="0" i="0" u="none" strike="noStrike" cap="none">
+                <a:solidFill>
+                  <a:srgbClr val="002D3C"/>
+                </a:solidFill>
+                <a:latin typeface="Inter"/>
+                <a:ea typeface="Inter"/>
+                <a:cs typeface="Inter"/>
+                <a:sym typeface="Inter"/>
+              </a:defRPr>
+            </a:lvl3pPr>
+            <a:lvl4pPr marL="1828800" marR="0" lvl="3" indent="-342900" algn="l" rtl="0">
+              <a:lnSpc>
+                <a:spcPct val="115000"/>
+              </a:lnSpc>
+              <a:spcBef>
+                <a:spcPts val="0"/>
+              </a:spcBef>
+              <a:spcAft>
+                <a:spcPts val="0"/>
+              </a:spcAft>
+              <a:buClr>
+                <a:srgbClr val="002D3C"/>
+              </a:buClr>
+              <a:buSzPts val="1800"/>
+              <a:buFont typeface="Inter"/>
+              <a:buChar char="●"/>
+              <a:defRPr sz="1800" b="0" i="0" u="none" strike="noStrike" cap="none">
+                <a:solidFill>
+                  <a:srgbClr val="002D3C"/>
+                </a:solidFill>
+                <a:latin typeface="Inter"/>
+                <a:ea typeface="Inter"/>
+                <a:cs typeface="Inter"/>
+                <a:sym typeface="Inter"/>
+              </a:defRPr>
+            </a:lvl4pPr>
+            <a:lvl5pPr marL="2286000" marR="0" lvl="4" indent="-342900" algn="l" rtl="0">
+              <a:lnSpc>
+                <a:spcPct val="115000"/>
+              </a:lnSpc>
+              <a:spcBef>
+                <a:spcPts val="0"/>
+              </a:spcBef>
+              <a:spcAft>
+                <a:spcPts val="0"/>
+              </a:spcAft>
+              <a:buClr>
+                <a:srgbClr val="002D3C"/>
+              </a:buClr>
+              <a:buSzPts val="1800"/>
+              <a:buFont typeface="Inter"/>
+              <a:buChar char="○"/>
+              <a:defRPr sz="1800" b="0" i="0" u="none" strike="noStrike" cap="none">
+                <a:solidFill>
+                  <a:srgbClr val="002D3C"/>
+                </a:solidFill>
+                <a:latin typeface="Inter"/>
+                <a:ea typeface="Inter"/>
+                <a:cs typeface="Inter"/>
+                <a:sym typeface="Inter"/>
+              </a:defRPr>
+            </a:lvl5pPr>
+            <a:lvl6pPr marL="2743200" marR="0" lvl="5" indent="-342900" algn="l" rtl="0">
+              <a:lnSpc>
+                <a:spcPct val="115000"/>
+              </a:lnSpc>
+              <a:spcBef>
+                <a:spcPts val="0"/>
+              </a:spcBef>
+              <a:spcAft>
+                <a:spcPts val="0"/>
+              </a:spcAft>
+              <a:buClr>
+                <a:srgbClr val="737373"/>
+              </a:buClr>
+              <a:buSzPts val="1800"/>
+              <a:buFont typeface="Inter"/>
+              <a:buChar char="■"/>
+              <a:defRPr sz="1800" b="0" i="0" u="none" strike="noStrike" cap="none">
+                <a:solidFill>
+                  <a:srgbClr val="737373"/>
+                </a:solidFill>
+                <a:latin typeface="Inter"/>
+                <a:ea typeface="Inter"/>
+                <a:cs typeface="Inter"/>
+                <a:sym typeface="Inter"/>
+              </a:defRPr>
+            </a:lvl6pPr>
+            <a:lvl7pPr marL="3200400" marR="0" lvl="6" indent="-342900" algn="l" rtl="0">
+              <a:lnSpc>
+                <a:spcPct val="115000"/>
+              </a:lnSpc>
+              <a:spcBef>
+                <a:spcPts val="0"/>
+              </a:spcBef>
+              <a:spcAft>
+                <a:spcPts val="0"/>
+              </a:spcAft>
+              <a:buClr>
+                <a:srgbClr val="737373"/>
+              </a:buClr>
+              <a:buSzPts val="1800"/>
+              <a:buFont typeface="Inter"/>
+              <a:buChar char="●"/>
+              <a:defRPr sz="1800" b="0" i="0" u="none" strike="noStrike" cap="none">
+                <a:solidFill>
+                  <a:srgbClr val="737373"/>
+                </a:solidFill>
+                <a:latin typeface="Inter"/>
+                <a:ea typeface="Inter"/>
+                <a:cs typeface="Inter"/>
+                <a:sym typeface="Inter"/>
+              </a:defRPr>
+            </a:lvl7pPr>
+            <a:lvl8pPr marL="3657600" marR="0" lvl="7" indent="-342900" algn="l" rtl="0">
+              <a:lnSpc>
+                <a:spcPct val="115000"/>
+              </a:lnSpc>
+              <a:spcBef>
+                <a:spcPts val="0"/>
+              </a:spcBef>
+              <a:spcAft>
+                <a:spcPts val="0"/>
+              </a:spcAft>
+              <a:buClr>
+                <a:srgbClr val="737373"/>
+              </a:buClr>
+              <a:buSzPts val="1800"/>
+              <a:buFont typeface="Inter"/>
+              <a:buChar char="○"/>
+              <a:defRPr sz="1800" b="0" i="0" u="none" strike="noStrike" cap="none">
+                <a:solidFill>
+                  <a:srgbClr val="737373"/>
+                </a:solidFill>
+                <a:latin typeface="Inter"/>
+                <a:ea typeface="Inter"/>
+                <a:cs typeface="Inter"/>
+                <a:sym typeface="Inter"/>
+              </a:defRPr>
+            </a:lvl8pPr>
+            <a:lvl9pPr marL="4114800" marR="0" lvl="8" indent="-342900" algn="l" rtl="0">
+              <a:lnSpc>
+                <a:spcPct val="115000"/>
+              </a:lnSpc>
+              <a:spcBef>
+                <a:spcPts val="0"/>
+              </a:spcBef>
+              <a:spcAft>
+                <a:spcPts val="0"/>
+              </a:spcAft>
+              <a:buClr>
+                <a:srgbClr val="737373"/>
+              </a:buClr>
+              <a:buSzPts val="1800"/>
+              <a:buFont typeface="Inter"/>
+              <a:buChar char="■"/>
+              <a:defRPr sz="1800" b="0" i="0" u="none" strike="noStrike" cap="none">
+                <a:solidFill>
+                  <a:srgbClr val="737373"/>
+                </a:solidFill>
+                <a:latin typeface="Inter"/>
+                <a:ea typeface="Inter"/>
+                <a:cs typeface="Inter"/>
+                <a:sym typeface="Inter"/>
+              </a:defRPr>
+            </a:lvl9pPr>
+          </a:lstStyle>
+          <a:p>
+            <a:pPr marL="114300" indent="0">
+              <a:buFont typeface="Inter"/>
+              <a:buNone/>
+            </a:pPr>
+            <a:r>
+              <a:rPr lang="de-CH" sz="1600" b="1" dirty="0"/>
+              <a:t>IPPM</a:t>
+            </a:r>
+            <a:endParaRPr lang="de-CH" sz="1600" b="1" dirty="0">
+              <a:hlinkClick r:id="rId3"/>
+            </a:endParaRPr>
+          </a:p>
+          <a:p>
+            <a:r>
+              <a:rPr lang="en-US" sz="1200" b="1" dirty="0">
+                <a:hlinkClick r:id="rId7"/>
+              </a:rPr>
+              <a:t>draft-</a:t>
+            </a:r>
+            <a:r>
+              <a:rPr lang="en-US" sz="1200" b="1" dirty="0" err="1">
+                <a:hlinkClick r:id="rId7"/>
+              </a:rPr>
+              <a:t>ietf</a:t>
+            </a:r>
+            <a:r>
+              <a:rPr lang="en-US" sz="1200" b="1" dirty="0">
+                <a:hlinkClick r:id="rId7"/>
+              </a:rPr>
+              <a:t>-ippm-capacity-protocol</a:t>
+            </a:r>
+            <a:r>
+              <a:rPr lang="en-US" sz="1200" b="1" dirty="0"/>
+              <a:t> </a:t>
+            </a:r>
+            <a:r>
+              <a:rPr lang="en-US" sz="1200" dirty="0"/>
+              <a:t>approved by IESG.</a:t>
+            </a:r>
+          </a:p>
+          <a:p>
+            <a:r>
+              <a:rPr lang="en-US" sz="1200" b="1" dirty="0">
+                <a:hlinkClick r:id="rId8"/>
+              </a:rPr>
+              <a:t>draft-</a:t>
+            </a:r>
+            <a:r>
+              <a:rPr lang="en-US" sz="1200" b="1" dirty="0" err="1">
+                <a:hlinkClick r:id="rId8"/>
+              </a:rPr>
+              <a:t>ietf</a:t>
+            </a:r>
+            <a:r>
+              <a:rPr lang="en-US" sz="1200" b="1" dirty="0">
+                <a:hlinkClick r:id="rId8"/>
+              </a:rPr>
+              <a:t>-ippm-asymmetrical-pkts</a:t>
+            </a:r>
+            <a:r>
+              <a:rPr lang="en-US" sz="1200" b="1" dirty="0"/>
+              <a:t> </a:t>
+            </a:r>
+            <a:r>
+              <a:rPr lang="en-US" sz="1200" dirty="0"/>
+              <a:t>and</a:t>
+            </a:r>
+            <a:r>
+              <a:rPr lang="en-US" sz="1200" b="1" dirty="0"/>
+              <a:t> </a:t>
+            </a:r>
+            <a:r>
+              <a:rPr lang="en-US" sz="1200" b="1" dirty="0">
+                <a:hlinkClick r:id="rId9"/>
+              </a:rPr>
+              <a:t>draft-</a:t>
+            </a:r>
+            <a:r>
+              <a:rPr lang="en-US" sz="1200" b="1" dirty="0" err="1">
+                <a:hlinkClick r:id="rId9"/>
+              </a:rPr>
+              <a:t>ietf</a:t>
+            </a:r>
+            <a:r>
+              <a:rPr lang="en-US" sz="1200" b="1" dirty="0">
+                <a:hlinkClick r:id="rId9"/>
+              </a:rPr>
+              <a:t>-ippm-hybrid-two-step</a:t>
+            </a:r>
+            <a:r>
+              <a:rPr lang="en-US" sz="1200" b="1" dirty="0"/>
+              <a:t> </a:t>
+            </a:r>
+            <a:r>
+              <a:rPr lang="en-US" sz="1200" dirty="0"/>
+              <a:t>has been passed on to IESG.</a:t>
+            </a:r>
+          </a:p>
+          <a:p>
+            <a:r>
+              <a:rPr lang="en-US" sz="1200" b="1" dirty="0">
+                <a:hlinkClick r:id="rId9"/>
+              </a:rPr>
+              <a:t>draft-</a:t>
+            </a:r>
+            <a:r>
+              <a:rPr lang="en-US" sz="1200" b="1" dirty="0" err="1">
+                <a:hlinkClick r:id="rId9"/>
+              </a:rPr>
+              <a:t>ietf</a:t>
+            </a:r>
+            <a:r>
+              <a:rPr lang="en-US" sz="1200" b="1" dirty="0">
+                <a:hlinkClick r:id="rId9"/>
+              </a:rPr>
+              <a:t>-ippm-hybrid-two-step</a:t>
+            </a:r>
+            <a:r>
+              <a:rPr lang="en-US" sz="1200" b="1" dirty="0"/>
+              <a:t> </a:t>
+            </a:r>
+            <a:r>
+              <a:rPr lang="en-US" sz="1200" dirty="0"/>
+              <a:t>received OPS AD review.</a:t>
+            </a:r>
+          </a:p>
+          <a:p>
+            <a:r>
+              <a:rPr lang="en-US" sz="1200" b="1" dirty="0">
+                <a:hlinkClick r:id="rId10"/>
+              </a:rPr>
+              <a:t>draft-</a:t>
+            </a:r>
+            <a:r>
+              <a:rPr lang="en-US" sz="1200" b="1" dirty="0" err="1">
+                <a:hlinkClick r:id="rId10"/>
+              </a:rPr>
+              <a:t>ietf</a:t>
+            </a:r>
+            <a:r>
+              <a:rPr lang="en-US" sz="1200" b="1" dirty="0">
+                <a:hlinkClick r:id="rId10"/>
+              </a:rPr>
+              <a:t>-ippm-</a:t>
+            </a:r>
+            <a:r>
+              <a:rPr lang="en-US" sz="1200" b="1" dirty="0" err="1">
+                <a:hlinkClick r:id="rId10"/>
+              </a:rPr>
+              <a:t>qoo</a:t>
+            </a:r>
+            <a:r>
+              <a:rPr lang="en-US" sz="1200" b="1" dirty="0"/>
+              <a:t> </a:t>
+            </a:r>
+            <a:r>
+              <a:rPr lang="en-US" sz="1200" dirty="0"/>
+              <a:t>publication request.</a:t>
+            </a:r>
+          </a:p>
+          <a:p>
+            <a:r>
+              <a:rPr lang="en-US" sz="1200" b="1" dirty="0">
+                <a:hlinkClick r:id="rId11"/>
+              </a:rPr>
+              <a:t>draft-</a:t>
+            </a:r>
+            <a:r>
+              <a:rPr lang="en-US" sz="1200" b="1" dirty="0" err="1">
+                <a:hlinkClick r:id="rId11"/>
+              </a:rPr>
+              <a:t>iuzh</a:t>
+            </a:r>
+            <a:r>
+              <a:rPr lang="en-US" sz="1200" b="1" dirty="0">
+                <a:hlinkClick r:id="rId11"/>
+              </a:rPr>
+              <a:t>-ippm-</a:t>
+            </a:r>
+            <a:r>
+              <a:rPr lang="en-US" sz="1200" b="1" dirty="0" err="1">
+                <a:hlinkClick r:id="rId11"/>
+              </a:rPr>
+              <a:t>ioam</a:t>
+            </a:r>
+            <a:r>
+              <a:rPr lang="en-US" sz="1200" b="1" dirty="0">
+                <a:hlinkClick r:id="rId11"/>
+              </a:rPr>
+              <a:t>-integrity-yang</a:t>
+            </a:r>
+            <a:r>
+              <a:rPr lang="en-US" sz="1200" dirty="0"/>
+              <a:t> adoption call is currently running.</a:t>
+            </a:r>
+          </a:p>
+        </p:txBody>
+      </p:sp>
+    </p:spTree>
+    <p:extLst>
+      <p:ext uri="{BB962C8B-B14F-4D97-AF65-F5344CB8AC3E}">
+        <p14:creationId xmlns:p14="http://schemas.microsoft.com/office/powerpoint/2010/main" val="1372742302"/>
+      </p:ext>
+    </p:extLst>
+  </p:cSld>
+  <p:clrMapOvr>
+    <a:masterClrMapping/>
+  </p:clrMapOvr>
+</p:sld>
+</file>
+
+<file path=ppt/slides/slide11.xml><?xml version="1.0" encoding="utf-8"?>
 <p:sld xmlns:a="http://schemas.openxmlformats.org/drawingml/2006/main" xmlns:r="http://schemas.openxmlformats.org/officeDocument/2006/relationships" xmlns:p="http://schemas.openxmlformats.org/presentationml/2006/main" show="0">
   <p:cSld>
     <p:spTree>
@@ -29001,7 +29756,7 @@
             </a:pPr>
             <a:fld id="{00000000-1234-1234-1234-123412341234}" type="slidenum">
               <a:rPr lang="en-US"/>
-              <a:t>10</a:t>
+              <a:t>11</a:t>
             </a:fld>
             <a:endParaRPr dirty="0"/>
           </a:p>

--- a/interim-01/Slides/chair-slides-bmwg-ippm.pptx
+++ b/interim-01/Slides/chair-slides-bmwg-ippm.pptx
@@ -320,6 +320,66 @@
     <p1510:client id="{EF859C06-2014-4A3D-B5EE-7F03E77ED81E}" v="8" dt="2025-11-18T12:14:55.073"/>
   </p1510:revLst>
 </p1510:revInfo>
+</file>
+
+<file path=ppt/changesInfos/changesInfo1.xml><?xml version="1.0" encoding="utf-8"?>
+<pc:chgInfo xmlns:a="http://schemas.openxmlformats.org/drawingml/2006/main" xmlns:r="http://schemas.openxmlformats.org/officeDocument/2006/relationships" xmlns:ac="http://schemas.microsoft.com/office/drawing/2013/main/command" xmlns:pc="http://schemas.microsoft.com/office/powerpoint/2013/main/command">
+  <pc:docChgLst>
+    <pc:chgData name="Graf Thomas, SCS-INI-NET-VNC-E2E" userId="487bc3e3-9ce7-4cdd-b7b4-8899ea88d289" providerId="ADAL" clId="{EF859C06-2014-4A3D-B5EE-7F03E77ED81E}"/>
+    <pc:docChg chg="custSel modSld">
+      <pc:chgData name="Graf Thomas, SCS-INI-NET-VNC-E2E" userId="487bc3e3-9ce7-4cdd-b7b4-8899ea88d289" providerId="ADAL" clId="{EF859C06-2014-4A3D-B5EE-7F03E77ED81E}" dt="2025-11-19T08:35:18.468" v="7" actId="1076"/>
+      <pc:docMkLst>
+        <pc:docMk/>
+      </pc:docMkLst>
+      <pc:sldChg chg="addSp delSp modSp mod">
+        <pc:chgData name="Graf Thomas, SCS-INI-NET-VNC-E2E" userId="487bc3e3-9ce7-4cdd-b7b4-8899ea88d289" providerId="ADAL" clId="{EF859C06-2014-4A3D-B5EE-7F03E77ED81E}" dt="2025-11-19T08:35:01.985" v="4" actId="1076"/>
+        <pc:sldMkLst>
+          <pc:docMk/>
+          <pc:sldMk cId="703495152" sldId="264"/>
+        </pc:sldMkLst>
+        <pc:picChg chg="add mod">
+          <ac:chgData name="Graf Thomas, SCS-INI-NET-VNC-E2E" userId="487bc3e3-9ce7-4cdd-b7b4-8899ea88d289" providerId="ADAL" clId="{EF859C06-2014-4A3D-B5EE-7F03E77ED81E}" dt="2025-11-19T08:35:01.985" v="4" actId="1076"/>
+          <ac:picMkLst>
+            <pc:docMk/>
+            <pc:sldMk cId="703495152" sldId="264"/>
+            <ac:picMk id="5" creationId="{7322EFFC-85B1-3D16-4EA1-12868D6A22B5}"/>
+          </ac:picMkLst>
+        </pc:picChg>
+        <pc:picChg chg="del">
+          <ac:chgData name="Graf Thomas, SCS-INI-NET-VNC-E2E" userId="487bc3e3-9ce7-4cdd-b7b4-8899ea88d289" providerId="ADAL" clId="{EF859C06-2014-4A3D-B5EE-7F03E77ED81E}" dt="2025-11-19T08:34:56.457" v="0" actId="478"/>
+          <ac:picMkLst>
+            <pc:docMk/>
+            <pc:sldMk cId="703495152" sldId="264"/>
+            <ac:picMk id="7" creationId="{8249488F-129E-0F6F-19AF-B00E317A45AF}"/>
+          </ac:picMkLst>
+        </pc:picChg>
+      </pc:sldChg>
+      <pc:sldChg chg="addSp delSp modSp mod">
+        <pc:chgData name="Graf Thomas, SCS-INI-NET-VNC-E2E" userId="487bc3e3-9ce7-4cdd-b7b4-8899ea88d289" providerId="ADAL" clId="{EF859C06-2014-4A3D-B5EE-7F03E77ED81E}" dt="2025-11-19T08:35:18.468" v="7" actId="1076"/>
+        <pc:sldMkLst>
+          <pc:docMk/>
+          <pc:sldMk cId="1859012803" sldId="271"/>
+        </pc:sldMkLst>
+        <pc:picChg chg="add mod">
+          <ac:chgData name="Graf Thomas, SCS-INI-NET-VNC-E2E" userId="487bc3e3-9ce7-4cdd-b7b4-8899ea88d289" providerId="ADAL" clId="{EF859C06-2014-4A3D-B5EE-7F03E77ED81E}" dt="2025-11-19T08:35:18.468" v="7" actId="1076"/>
+          <ac:picMkLst>
+            <pc:docMk/>
+            <pc:sldMk cId="1859012803" sldId="271"/>
+            <ac:picMk id="5" creationId="{83C9D532-04E5-151D-138D-346CD68EA7AA}"/>
+          </ac:picMkLst>
+        </pc:picChg>
+        <pc:picChg chg="del">
+          <ac:chgData name="Graf Thomas, SCS-INI-NET-VNC-E2E" userId="487bc3e3-9ce7-4cdd-b7b4-8899ea88d289" providerId="ADAL" clId="{EF859C06-2014-4A3D-B5EE-7F03E77ED81E}" dt="2025-11-19T08:35:15.939" v="5" actId="478"/>
+          <ac:picMkLst>
+            <pc:docMk/>
+            <pc:sldMk cId="1859012803" sldId="271"/>
+            <ac:picMk id="8" creationId="{3E80C31F-C4B2-853C-704F-CDF575DEF945}"/>
+          </ac:picMkLst>
+        </pc:picChg>
+      </pc:sldChg>
+    </pc:docChg>
+  </pc:docChgLst>
+</pc:chgInfo>
 </file>
 
 <file path=ppt/notesMasters/notesMaster1.xml><?xml version="1.0" encoding="utf-8"?>
@@ -30713,7 +30773,7 @@
         <p:fade/>
       </p:transition>
     </mc:Choice>
-    <mc:Fallback xmlns:ahyp="http://schemas.microsoft.com/office/drawing/2018/hyperlinkcolor" xmlns:p15="http://schemas.microsoft.com/office/powerpoint/2012/main" xmlns:com="http://schemas.openxmlformats.org/drawingml/2006/compatibility" xmlns:pvml="urn:schemas-microsoft-com:office:powerpoint" xmlns:v="urn:schemas-microsoft-com:vml" xmlns:o="urn:schemas-microsoft-com:office:office" xmlns:dgm="http://schemas.openxmlformats.org/drawingml/2006/diagram" xmlns:c="http://schemas.openxmlformats.org/drawingml/2006/chart" xmlns:mv="urn:schemas-microsoft-com:mac:vml" xmlns="">
+    <mc:Fallback xmlns="" xmlns:mv="urn:schemas-microsoft-com:mac:vml" xmlns:c="http://schemas.openxmlformats.org/drawingml/2006/chart" xmlns:dgm="http://schemas.openxmlformats.org/drawingml/2006/diagram" xmlns:o="urn:schemas-microsoft-com:office:office" xmlns:v="urn:schemas-microsoft-com:vml" xmlns:pvml="urn:schemas-microsoft-com:office:powerpoint" xmlns:com="http://schemas.openxmlformats.org/drawingml/2006/compatibility" xmlns:p15="http://schemas.microsoft.com/office/powerpoint/2012/main" xmlns:ahyp="http://schemas.microsoft.com/office/drawing/2018/hyperlinkcolor">
       <p:transition spd="slow">
         <p:fade/>
       </p:transition>
@@ -32118,10 +32178,10 @@
       </p:sp>
       <p:pic>
         <p:nvPicPr>
-          <p:cNvPr id="7" name="Picture 6">
+          <p:cNvPr id="5" name="Picture 4">
             <a:extLst>
               <a:ext uri="{FF2B5EF4-FFF2-40B4-BE49-F238E27FC236}">
-                <a16:creationId xmlns:a16="http://schemas.microsoft.com/office/drawing/2014/main" id="{8249488F-129E-0F6F-19AF-B00E317A45AF}"/>
+                <a16:creationId xmlns:a16="http://schemas.microsoft.com/office/drawing/2014/main" id="{7322EFFC-85B1-3D16-4EA1-12868D6A22B5}"/>
               </a:ext>
             </a:extLst>
           </p:cNvPr>
@@ -32138,8 +32198,8 @@
         </p:blipFill>
         <p:spPr>
           <a:xfrm>
-            <a:off x="471900" y="1951233"/>
-            <a:ext cx="6156511" cy="2974044"/>
+            <a:off x="471900" y="1882133"/>
+            <a:ext cx="6240473" cy="3043144"/>
           </a:xfrm>
           <a:prstGeom prst="rect">
             <a:avLst/>
@@ -32258,10 +32318,10 @@
       </p:sp>
       <p:pic>
         <p:nvPicPr>
-          <p:cNvPr id="8" name="Picture 7">
+          <p:cNvPr id="5" name="Picture 4">
             <a:extLst>
               <a:ext uri="{FF2B5EF4-FFF2-40B4-BE49-F238E27FC236}">
-                <a16:creationId xmlns:a16="http://schemas.microsoft.com/office/drawing/2014/main" id="{3E80C31F-C4B2-853C-704F-CDF575DEF945}"/>
+                <a16:creationId xmlns:a16="http://schemas.microsoft.com/office/drawing/2014/main" id="{83C9D532-04E5-151D-138D-346CD68EA7AA}"/>
               </a:ext>
             </a:extLst>
           </p:cNvPr>
@@ -32278,8 +32338,8 @@
         </p:blipFill>
         <p:spPr>
           <a:xfrm>
-            <a:off x="556326" y="2102191"/>
-            <a:ext cx="7325747" cy="838317"/>
+            <a:off x="544473" y="2030412"/>
+            <a:ext cx="7363853" cy="895475"/>
           </a:xfrm>
           <a:prstGeom prst="rect">
             <a:avLst/>
@@ -33424,23 +33484,6 @@
 </file>
 
 <file path=customXml/item1.xml><?xml version="1.0" encoding="utf-8"?>
-<p:properties xmlns:p="http://schemas.microsoft.com/office/2006/metadata/properties" xmlns:xsi="http://www.w3.org/2001/XMLSchema-instance" xmlns:pc="http://schemas.microsoft.com/office/infopath/2007/PartnerControls">
-  <documentManagement>
-    <_activity xmlns="3e5e162a-5953-4fde-83b3-9639e6ab13bb" xsi:nil="true"/>
-  </documentManagement>
-</p:properties>
-</file>
-
-<file path=customXml/item2.xml><?xml version="1.0" encoding="utf-8"?>
-<?mso-contentType ?>
-<FormTemplates xmlns="http://schemas.microsoft.com/sharepoint/v3/contenttype/forms">
-  <Display>DocumentLibraryForm</Display>
-  <Edit>DocumentLibraryForm</Edit>
-  <New>DocumentLibraryForm</New>
-</FormTemplates>
-</file>
-
-<file path=customXml/item3.xml><?xml version="1.0" encoding="utf-8"?>
 <ct:contentTypeSchema xmlns:ct="http://schemas.microsoft.com/office/2006/metadata/contentType" xmlns:ma="http://schemas.microsoft.com/office/2006/metadata/properties/metaAttributes" ct:_="" ma:_="" ma:contentTypeName="Dokument" ma:contentTypeID="0x01010028792A905D4FBE4781303B372FFF56B7" ma:contentTypeVersion="18" ma:contentTypeDescription="Ein neues Dokument erstellen." ma:contentTypeScope="" ma:versionID="1bed101c48ab8d637c0f10f3a19033d6">
   <xsd:schema xmlns:xsd="http://www.w3.org/2001/XMLSchema" xmlns:xs="http://www.w3.org/2001/XMLSchema" xmlns:p="http://schemas.microsoft.com/office/2006/metadata/properties" xmlns:ns3="3e5e162a-5953-4fde-83b3-9639e6ab13bb" xmlns:ns4="266fa233-377d-43d6-82a1-e70154e55ff7" targetNamespace="http://schemas.microsoft.com/office/2006/metadata/properties" ma:root="true" ma:fieldsID="ad54ca06dfd6fdd081bd33575dcf7e57" ns3:_="" ns4:_="">
     <xsd:import namespace="3e5e162a-5953-4fde-83b3-9639e6ab13bb"/>
@@ -33693,32 +33736,24 @@
 </ct:contentTypeSchema>
 </file>
 
-<file path=customXml/itemProps1.xml><?xml version="1.0" encoding="utf-8"?>
-<ds:datastoreItem xmlns:ds="http://schemas.openxmlformats.org/officeDocument/2006/customXml" ds:itemID="{3D7021EF-4D3D-4708-92FB-F2CD02CEF7A1}">
-  <ds:schemaRefs>
-    <ds:schemaRef ds:uri="http://schemas.openxmlformats.org/package/2006/metadata/core-properties"/>
-    <ds:schemaRef ds:uri="http://schemas.microsoft.com/office/2006/documentManagement/types"/>
-    <ds:schemaRef ds:uri="http://schemas.microsoft.com/office/infopath/2007/PartnerControls"/>
-    <ds:schemaRef ds:uri="http://purl.org/dc/elements/1.1/"/>
-    <ds:schemaRef ds:uri="http://schemas.microsoft.com/office/2006/metadata/properties"/>
-    <ds:schemaRef ds:uri="3e5e162a-5953-4fde-83b3-9639e6ab13bb"/>
-    <ds:schemaRef ds:uri="266fa233-377d-43d6-82a1-e70154e55ff7"/>
-    <ds:schemaRef ds:uri="http://purl.org/dc/terms/"/>
-    <ds:schemaRef ds:uri="http://www.w3.org/XML/1998/namespace"/>
-    <ds:schemaRef ds:uri="http://purl.org/dc/dcmitype/"/>
-  </ds:schemaRefs>
-</ds:datastoreItem>
+<file path=customXml/item2.xml><?xml version="1.0" encoding="utf-8"?>
+<?mso-contentType ?>
+<FormTemplates xmlns="http://schemas.microsoft.com/sharepoint/v3/contenttype/forms">
+  <Display>DocumentLibraryForm</Display>
+  <Edit>DocumentLibraryForm</Edit>
+  <New>DocumentLibraryForm</New>
+</FormTemplates>
 </file>
 
-<file path=customXml/itemProps2.xml><?xml version="1.0" encoding="utf-8"?>
-<ds:datastoreItem xmlns:ds="http://schemas.openxmlformats.org/officeDocument/2006/customXml" ds:itemID="{9104BBC9-6B71-4DC1-A0E0-1E198363AC7F}">
-  <ds:schemaRefs>
-    <ds:schemaRef ds:uri="http://schemas.microsoft.com/sharepoint/v3/contenttype/forms"/>
-  </ds:schemaRefs>
-</ds:datastoreItem>
+<file path=customXml/item3.xml><?xml version="1.0" encoding="utf-8"?>
+<p:properties xmlns:p="http://schemas.microsoft.com/office/2006/metadata/properties" xmlns:xsi="http://www.w3.org/2001/XMLSchema-instance" xmlns:pc="http://schemas.microsoft.com/office/infopath/2007/PartnerControls">
+  <documentManagement>
+    <_activity xmlns="3e5e162a-5953-4fde-83b3-9639e6ab13bb" xsi:nil="true"/>
+  </documentManagement>
+</p:properties>
 </file>
 
-<file path=customXml/itemProps3.xml><?xml version="1.0" encoding="utf-8"?>
+<file path=customXml/itemProps1.xml><?xml version="1.0" encoding="utf-8"?>
 <ds:datastoreItem xmlns:ds="http://schemas.openxmlformats.org/officeDocument/2006/customXml" ds:itemID="{F4805544-B524-4E4A-B7C1-6ABFC599928D}">
   <ds:schemaRefs>
     <ds:schemaRef ds:uri="http://schemas.microsoft.com/office/2006/metadata/contentType"/>
@@ -33737,6 +33772,31 @@
 </ds:datastoreItem>
 </file>
 
+<file path=customXml/itemProps2.xml><?xml version="1.0" encoding="utf-8"?>
+<ds:datastoreItem xmlns:ds="http://schemas.openxmlformats.org/officeDocument/2006/customXml" ds:itemID="{9104BBC9-6B71-4DC1-A0E0-1E198363AC7F}">
+  <ds:schemaRefs>
+    <ds:schemaRef ds:uri="http://schemas.microsoft.com/sharepoint/v3/contenttype/forms"/>
+  </ds:schemaRefs>
+</ds:datastoreItem>
+</file>
+
+<file path=customXml/itemProps3.xml><?xml version="1.0" encoding="utf-8"?>
+<ds:datastoreItem xmlns:ds="http://schemas.openxmlformats.org/officeDocument/2006/customXml" ds:itemID="{3D7021EF-4D3D-4708-92FB-F2CD02CEF7A1}">
+  <ds:schemaRefs>
+    <ds:schemaRef ds:uri="http://schemas.openxmlformats.org/package/2006/metadata/core-properties"/>
+    <ds:schemaRef ds:uri="http://schemas.microsoft.com/office/2006/documentManagement/types"/>
+    <ds:schemaRef ds:uri="http://schemas.microsoft.com/office/infopath/2007/PartnerControls"/>
+    <ds:schemaRef ds:uri="http://purl.org/dc/elements/1.1/"/>
+    <ds:schemaRef ds:uri="http://schemas.microsoft.com/office/2006/metadata/properties"/>
+    <ds:schemaRef ds:uri="3e5e162a-5953-4fde-83b3-9639e6ab13bb"/>
+    <ds:schemaRef ds:uri="266fa233-377d-43d6-82a1-e70154e55ff7"/>
+    <ds:schemaRef ds:uri="http://purl.org/dc/terms/"/>
+    <ds:schemaRef ds:uri="http://www.w3.org/XML/1998/namespace"/>
+    <ds:schemaRef ds:uri="http://purl.org/dc/dcmitype/"/>
+  </ds:schemaRefs>
+</ds:datastoreItem>
+</file>
+
 <file path=docMetadata/LabelInfo.xml><?xml version="1.0" encoding="utf-8"?>
 <clbl:labelList xmlns:clbl="http://schemas.microsoft.com/office/2020/mipLabelMetadata">
   <clbl:label id="{2e1fccfb-80ca-4fe1-a574-1516544edb53}" enabled="1" method="Standard" siteId="{364e5b87-c1c7-420d-9bee-c35d19b557a1}" removed="0"/>

--- a/interim-01/Slides/chair-slides-bmwg-ippm.pptx
+++ b/interim-01/Slides/chair-slides-bmwg-ippm.pptx
@@ -7,7 +7,7 @@
     <p:sldMasterId id="2147483666" r:id="rId6"/>
   </p:sldMasterIdLst>
   <p:notesMasterIdLst>
-    <p:notesMasterId r:id="rId18"/>
+    <p:notesMasterId r:id="rId19"/>
   </p:notesMasterIdLst>
   <p:sldIdLst>
     <p:sldId id="256" r:id="rId7"/>
@@ -20,50 +20,51 @@
     <p:sldId id="264" r:id="rId14"/>
     <p:sldId id="271" r:id="rId15"/>
     <p:sldId id="266" r:id="rId16"/>
-    <p:sldId id="260" r:id="rId17"/>
+    <p:sldId id="273" r:id="rId17"/>
+    <p:sldId id="260" r:id="rId18"/>
   </p:sldIdLst>
   <p:sldSz cx="9144000" cy="5143500" type="screen16x9"/>
   <p:notesSz cx="6858000" cy="9144000"/>
   <p:embeddedFontLst>
     <p:embeddedFont>
       <p:font typeface="Inter" panose="020B0604020202020204" charset="0"/>
-      <p:regular r:id="rId19"/>
-      <p:bold r:id="rId20"/>
-      <p:italic r:id="rId21"/>
-      <p:boldItalic r:id="rId22"/>
+      <p:regular r:id="rId20"/>
+      <p:bold r:id="rId21"/>
+      <p:italic r:id="rId22"/>
+      <p:boldItalic r:id="rId23"/>
     </p:embeddedFont>
     <p:embeddedFont>
       <p:font typeface="Montserrat" panose="00000500000000000000" pitchFamily="2" charset="0"/>
-      <p:regular r:id="rId23"/>
-      <p:bold r:id="rId24"/>
-      <p:italic r:id="rId25"/>
-      <p:boldItalic r:id="rId26"/>
+      <p:regular r:id="rId24"/>
+      <p:bold r:id="rId25"/>
+      <p:italic r:id="rId26"/>
+      <p:boldItalic r:id="rId27"/>
     </p:embeddedFont>
     <p:embeddedFont>
       <p:font typeface="Open Sans" panose="020B0606030504020204" pitchFamily="34" charset="0"/>
-      <p:regular r:id="rId27"/>
-      <p:bold r:id="rId28"/>
-      <p:italic r:id="rId29"/>
-      <p:boldItalic r:id="rId30"/>
+      <p:regular r:id="rId28"/>
+      <p:bold r:id="rId29"/>
+      <p:italic r:id="rId30"/>
+      <p:boldItalic r:id="rId31"/>
     </p:embeddedFont>
     <p:embeddedFont>
       <p:font typeface="Open Sans Medium" panose="020B0604020202020204" charset="0"/>
-      <p:regular r:id="rId31"/>
-      <p:bold r:id="rId32"/>
-      <p:italic r:id="rId33"/>
-      <p:boldItalic r:id="rId34"/>
+      <p:regular r:id="rId32"/>
+      <p:bold r:id="rId33"/>
+      <p:italic r:id="rId34"/>
+      <p:boldItalic r:id="rId35"/>
     </p:embeddedFont>
     <p:embeddedFont>
       <p:font typeface="Open Sans SemiBold" panose="020B0706030804020204" pitchFamily="34" charset="0"/>
-      <p:bold r:id="rId35"/>
-      <p:boldItalic r:id="rId36"/>
+      <p:bold r:id="rId36"/>
+      <p:boldItalic r:id="rId37"/>
     </p:embeddedFont>
     <p:embeddedFont>
       <p:font typeface="Roboto" panose="02000000000000000000" pitchFamily="2" charset="0"/>
-      <p:regular r:id="rId37"/>
-      <p:bold r:id="rId38"/>
-      <p:italic r:id="rId39"/>
-      <p:boldItalic r:id="rId40"/>
+      <p:regular r:id="rId38"/>
+      <p:bold r:id="rId39"/>
+      <p:italic r:id="rId40"/>
+      <p:boldItalic r:id="rId41"/>
     </p:embeddedFont>
   </p:embeddedFontLst>
   <p:defaultTextStyle>
@@ -1044,6 +1045,72 @@
 </file>
 
 <file path=ppt/notesSlides/notesSlide11.xml><?xml version="1.0" encoding="utf-8"?>
+<p:notes xmlns:a="http://schemas.openxmlformats.org/drawingml/2006/main" xmlns:r="http://schemas.openxmlformats.org/officeDocument/2006/relationships" xmlns:p="http://schemas.openxmlformats.org/presentationml/2006/main">
+  <p:cSld>
+    <p:spTree>
+      <p:nvGrpSpPr>
+        <p:cNvPr id="1" name=""/>
+        <p:cNvGrpSpPr/>
+        <p:nvPr/>
+      </p:nvGrpSpPr>
+      <p:grpSpPr>
+        <a:xfrm>
+          <a:off x="0" y="0"/>
+          <a:ext cx="0" cy="0"/>
+          <a:chOff x="0" y="0"/>
+          <a:chExt cx="0" cy="0"/>
+        </a:xfrm>
+      </p:grpSpPr>
+      <p:sp>
+        <p:nvSpPr>
+          <p:cNvPr id="2" name="Slide Image Placeholder 1"/>
+          <p:cNvSpPr>
+            <a:spLocks noGrp="1" noRot="1" noChangeAspect="1"/>
+          </p:cNvSpPr>
+          <p:nvPr>
+            <p:ph type="sldImg"/>
+          </p:nvPr>
+        </p:nvSpPr>
+        <p:spPr>
+          <a:xfrm>
+            <a:off x="381000" y="685800"/>
+            <a:ext cx="6096000" cy="3429000"/>
+          </a:xfrm>
+        </p:spPr>
+      </p:sp>
+      <p:sp>
+        <p:nvSpPr>
+          <p:cNvPr id="3" name="Notes Placeholder 2"/>
+          <p:cNvSpPr>
+            <a:spLocks noGrp="1"/>
+          </p:cNvSpPr>
+          <p:nvPr>
+            <p:ph type="body" idx="1"/>
+          </p:nvPr>
+        </p:nvSpPr>
+        <p:spPr/>
+        <p:txBody>
+          <a:bodyPr/>
+          <a:lstStyle/>
+          <a:p>
+            <a:endParaRPr lang="en-US" dirty="0"/>
+          </a:p>
+        </p:txBody>
+      </p:sp>
+    </p:spTree>
+    <p:extLst>
+      <p:ext uri="{BB962C8B-B14F-4D97-AF65-F5344CB8AC3E}">
+        <p14:creationId xmlns:p14="http://schemas.microsoft.com/office/powerpoint/2010/main" val="4049754713"/>
+      </p:ext>
+    </p:extLst>
+  </p:cSld>
+  <p:clrMapOvr>
+    <a:masterClrMapping/>
+  </p:clrMapOvr>
+</p:notes>
+</file>
+
+<file path=ppt/notesSlides/notesSlide12.xml><?xml version="1.0" encoding="utf-8"?>
 <p:notes xmlns:a="http://schemas.openxmlformats.org/drawingml/2006/main" xmlns:r="http://schemas.openxmlformats.org/officeDocument/2006/relationships" xmlns:p="http://schemas.openxmlformats.org/presentationml/2006/main" showMasterSp="0" showMasterPhAnim="0">
   <p:cSld>
     <p:spTree>
@@ -29522,6 +29589,230 @@
 </file>
 
 <file path=ppt/slides/slide11.xml><?xml version="1.0" encoding="utf-8"?>
+<p:sld xmlns:a="http://schemas.openxmlformats.org/drawingml/2006/main" xmlns:r="http://schemas.openxmlformats.org/officeDocument/2006/relationships" xmlns:p="http://schemas.openxmlformats.org/presentationml/2006/main">
+  <p:cSld>
+    <p:spTree>
+      <p:nvGrpSpPr>
+        <p:cNvPr id="1" name=""/>
+        <p:cNvGrpSpPr/>
+        <p:nvPr/>
+      </p:nvGrpSpPr>
+      <p:grpSpPr>
+        <a:xfrm>
+          <a:off x="0" y="0"/>
+          <a:ext cx="0" cy="0"/>
+          <a:chOff x="0" y="0"/>
+          <a:chExt cx="0" cy="0"/>
+        </a:xfrm>
+      </p:grpSpPr>
+      <p:sp>
+        <p:nvSpPr>
+          <p:cNvPr id="2" name="Title 1">
+            <a:extLst>
+              <a:ext uri="{FF2B5EF4-FFF2-40B4-BE49-F238E27FC236}">
+                <a16:creationId xmlns:a16="http://schemas.microsoft.com/office/drawing/2014/main" id="{0B9E15DC-F076-98D2-1BDF-BC01FEC9047B}"/>
+              </a:ext>
+            </a:extLst>
+          </p:cNvPr>
+          <p:cNvSpPr>
+            <a:spLocks noGrp="1"/>
+          </p:cNvSpPr>
+          <p:nvPr>
+            <p:ph type="title"/>
+          </p:nvPr>
+        </p:nvSpPr>
+        <p:spPr>
+          <a:xfrm>
+            <a:off x="471899" y="218223"/>
+            <a:ext cx="8395009" cy="1288203"/>
+          </a:xfrm>
+        </p:spPr>
+        <p:txBody>
+          <a:bodyPr anchor="ctr"/>
+          <a:lstStyle/>
+          <a:p>
+            <a:r>
+              <a:rPr lang="en-US" sz="3200" dirty="0"/>
+              <a:t>Liaisons Updates</a:t>
+            </a:r>
+          </a:p>
+        </p:txBody>
+      </p:sp>
+      <p:sp>
+        <p:nvSpPr>
+          <p:cNvPr id="4" name="Slide Number Placeholder 3">
+            <a:extLst>
+              <a:ext uri="{FF2B5EF4-FFF2-40B4-BE49-F238E27FC236}">
+                <a16:creationId xmlns:a16="http://schemas.microsoft.com/office/drawing/2014/main" id="{D216BDC7-4DE9-D9D5-0725-BBEF6CFE8DF1}"/>
+              </a:ext>
+            </a:extLst>
+          </p:cNvPr>
+          <p:cNvSpPr>
+            <a:spLocks noGrp="1"/>
+          </p:cNvSpPr>
+          <p:nvPr>
+            <p:ph type="sldNum" idx="12"/>
+          </p:nvPr>
+        </p:nvSpPr>
+        <p:spPr>
+          <a:xfrm>
+            <a:off x="8694000" y="4724798"/>
+            <a:ext cx="378241" cy="335251"/>
+          </a:xfrm>
+        </p:spPr>
+        <p:txBody>
+          <a:bodyPr/>
+          <a:lstStyle/>
+          <a:p>
+            <a:pPr marL="0" lvl="0" indent="0" algn="r" rtl="0">
+              <a:spcBef>
+                <a:spcPts val="0"/>
+              </a:spcBef>
+              <a:spcAft>
+                <a:spcPts val="0"/>
+              </a:spcAft>
+              <a:buNone/>
+            </a:pPr>
+            <a:fld id="{00000000-1234-1234-1234-123412341234}" type="slidenum">
+              <a:rPr lang="en-US" smtClean="0"/>
+              <a:t>11</a:t>
+            </a:fld>
+            <a:endParaRPr lang="en-US" dirty="0"/>
+          </a:p>
+        </p:txBody>
+      </p:sp>
+      <p:sp>
+        <p:nvSpPr>
+          <p:cNvPr id="3" name="Text Placeholder 2">
+            <a:extLst>
+              <a:ext uri="{FF2B5EF4-FFF2-40B4-BE49-F238E27FC236}">
+                <a16:creationId xmlns:a16="http://schemas.microsoft.com/office/drawing/2014/main" id="{FED4E835-D652-159B-D0CD-7FC58A509645}"/>
+              </a:ext>
+            </a:extLst>
+          </p:cNvPr>
+          <p:cNvSpPr>
+            <a:spLocks noGrp="1"/>
+          </p:cNvSpPr>
+          <p:nvPr>
+            <p:ph type="body" idx="1"/>
+          </p:nvPr>
+        </p:nvSpPr>
+        <p:spPr>
+          <a:xfrm>
+            <a:off x="301916" y="1851076"/>
+            <a:ext cx="8392084" cy="2802986"/>
+          </a:xfrm>
+          <a:noFill/>
+          <a:ln>
+            <a:noFill/>
+          </a:ln>
+        </p:spPr>
+        <p:txBody>
+          <a:bodyPr spcFirstLastPara="1" wrap="square" lIns="91400" tIns="91400" rIns="91400" bIns="91400" anchor="t" anchorCtr="0">
+            <a:noAutofit/>
+          </a:bodyPr>
+          <a:lstStyle/>
+          <a:p>
+            <a:pPr>
+              <a:lnSpc>
+                <a:spcPct val="100000"/>
+              </a:lnSpc>
+            </a:pPr>
+            <a:r>
+              <a:rPr lang="en-US" sz="1500" dirty="0"/>
+              <a:t>LS out to ITU-T SG11 for SR Benchmark – Waiting of the Liaison Manager to post the LS</a:t>
+            </a:r>
+          </a:p>
+          <a:p>
+            <a:pPr>
+              <a:lnSpc>
+                <a:spcPct val="100000"/>
+              </a:lnSpc>
+            </a:pPr>
+            <a:endParaRPr lang="en-US" sz="1500" dirty="0"/>
+          </a:p>
+          <a:p>
+            <a:pPr>
+              <a:lnSpc>
+                <a:spcPct val="100000"/>
+              </a:lnSpc>
+            </a:pPr>
+            <a:r>
+              <a:rPr lang="en-US" sz="1500" dirty="0"/>
+              <a:t>LS out to BBF for Quality of Outcome (</a:t>
+            </a:r>
+            <a:r>
+              <a:rPr lang="en-US" sz="1500" dirty="0" err="1"/>
+              <a:t>QoO</a:t>
+            </a:r>
+            <a:r>
+              <a:rPr lang="en-US" sz="1500" dirty="0"/>
+              <a:t>) – Sent</a:t>
+            </a:r>
+          </a:p>
+          <a:p>
+            <a:pPr>
+              <a:lnSpc>
+                <a:spcPct val="100000"/>
+              </a:lnSpc>
+            </a:pPr>
+            <a:endParaRPr lang="en-US" sz="1500" dirty="0"/>
+          </a:p>
+          <a:p>
+            <a:pPr>
+              <a:lnSpc>
+                <a:spcPct val="100000"/>
+              </a:lnSpc>
+            </a:pPr>
+            <a:r>
+              <a:rPr lang="en-US" sz="1500" dirty="0"/>
+              <a:t>LS out to ITU-T SG12 once </a:t>
+            </a:r>
+            <a:r>
+              <a:rPr lang="en-US" sz="1500" dirty="0" err="1"/>
+              <a:t>QoO</a:t>
+            </a:r>
+            <a:r>
+              <a:rPr lang="en-US" sz="1500" dirty="0"/>
+              <a:t> is published – Planned </a:t>
+            </a:r>
+          </a:p>
+          <a:p>
+            <a:pPr lvl="1">
+              <a:lnSpc>
+                <a:spcPct val="100000"/>
+              </a:lnSpc>
+            </a:pPr>
+            <a:r>
+              <a:rPr lang="en-US" sz="1400" dirty="0"/>
+              <a:t>Also, thank Ruediger for socializing the work there and collecting early feedback.</a:t>
+            </a:r>
+            <a:endParaRPr lang="de-CH" sz="1400" dirty="0"/>
+          </a:p>
+          <a:p>
+            <a:pPr>
+              <a:lnSpc>
+                <a:spcPct val="100000"/>
+              </a:lnSpc>
+            </a:pPr>
+            <a:endParaRPr lang="en-US" sz="1500" dirty="0"/>
+          </a:p>
+        </p:txBody>
+      </p:sp>
+    </p:spTree>
+    <p:extLst>
+      <p:ext uri="{BB962C8B-B14F-4D97-AF65-F5344CB8AC3E}">
+        <p14:creationId xmlns:p14="http://schemas.microsoft.com/office/powerpoint/2010/main" val="3896908504"/>
+      </p:ext>
+    </p:extLst>
+  </p:cSld>
+  <p:clrMapOvr>
+    <a:masterClrMapping/>
+  </p:clrMapOvr>
+</p:sld>
+</file>
+
+<file path=ppt/slides/slide12.xml><?xml version="1.0" encoding="utf-8"?>
 <p:sld xmlns:a="http://schemas.openxmlformats.org/drawingml/2006/main" xmlns:r="http://schemas.openxmlformats.org/officeDocument/2006/relationships" xmlns:p="http://schemas.openxmlformats.org/presentationml/2006/main" show="0">
   <p:cSld>
     <p:spTree>
@@ -29816,7 +30107,7 @@
             </a:pPr>
             <a:fld id="{00000000-1234-1234-1234-123412341234}" type="slidenum">
               <a:rPr lang="en-US"/>
-              <a:t>11</a:t>
+              <a:t>12</a:t>
             </a:fld>
             <a:endParaRPr dirty="0"/>
           </a:p>
@@ -30773,7 +31064,7 @@
         <p:fade/>
       </p:transition>
     </mc:Choice>
-    <mc:Fallback xmlns="" xmlns:mv="urn:schemas-microsoft-com:mac:vml" xmlns:c="http://schemas.openxmlformats.org/drawingml/2006/chart" xmlns:dgm="http://schemas.openxmlformats.org/drawingml/2006/diagram" xmlns:o="urn:schemas-microsoft-com:office:office" xmlns:v="urn:schemas-microsoft-com:vml" xmlns:pvml="urn:schemas-microsoft-com:office:powerpoint" xmlns:com="http://schemas.openxmlformats.org/drawingml/2006/compatibility" xmlns:p15="http://schemas.microsoft.com/office/powerpoint/2012/main" xmlns:ahyp="http://schemas.microsoft.com/office/drawing/2018/hyperlinkcolor">
+    <mc:Fallback xmlns:ahyp="http://schemas.microsoft.com/office/drawing/2018/hyperlinkcolor" xmlns:p15="http://schemas.microsoft.com/office/powerpoint/2012/main" xmlns:com="http://schemas.openxmlformats.org/drawingml/2006/compatibility" xmlns:pvml="urn:schemas-microsoft-com:office:powerpoint" xmlns:v="urn:schemas-microsoft-com:vml" xmlns:o="urn:schemas-microsoft-com:office:office" xmlns:dgm="http://schemas.openxmlformats.org/drawingml/2006/diagram" xmlns:c="http://schemas.openxmlformats.org/drawingml/2006/chart" xmlns:mv="urn:schemas-microsoft-com:mac:vml" xmlns="">
       <p:transition spd="slow">
         <p:fade/>
       </p:transition>
@@ -32178,10 +32469,10 @@
       </p:sp>
       <p:pic>
         <p:nvPicPr>
-          <p:cNvPr id="5" name="Picture 4">
+          <p:cNvPr id="8" name="Picture 7">
             <a:extLst>
               <a:ext uri="{FF2B5EF4-FFF2-40B4-BE49-F238E27FC236}">
-                <a16:creationId xmlns:a16="http://schemas.microsoft.com/office/drawing/2014/main" id="{7322EFFC-85B1-3D16-4EA1-12868D6A22B5}"/>
+                <a16:creationId xmlns:a16="http://schemas.microsoft.com/office/drawing/2014/main" id="{502884C6-9465-4AEB-9BC2-CD78EACC725D}"/>
               </a:ext>
             </a:extLst>
           </p:cNvPr>
@@ -32198,8 +32489,8 @@
         </p:blipFill>
         <p:spPr>
           <a:xfrm>
-            <a:off x="471900" y="1882133"/>
-            <a:ext cx="6240473" cy="3043144"/>
+            <a:off x="312000" y="1769325"/>
+            <a:ext cx="7653832" cy="3032852"/>
           </a:xfrm>
           <a:prstGeom prst="rect">
             <a:avLst/>
@@ -32318,10 +32609,10 @@
       </p:sp>
       <p:pic>
         <p:nvPicPr>
-          <p:cNvPr id="5" name="Picture 4">
+          <p:cNvPr id="8" name="Picture 7">
             <a:extLst>
               <a:ext uri="{FF2B5EF4-FFF2-40B4-BE49-F238E27FC236}">
-                <a16:creationId xmlns:a16="http://schemas.microsoft.com/office/drawing/2014/main" id="{83C9D532-04E5-151D-138D-346CD68EA7AA}"/>
+                <a16:creationId xmlns:a16="http://schemas.microsoft.com/office/drawing/2014/main" id="{D47465AF-3406-405A-9580-5FCC4F76BFC0}"/>
               </a:ext>
             </a:extLst>
           </p:cNvPr>
@@ -32338,8 +32629,8 @@
         </p:blipFill>
         <p:spPr>
           <a:xfrm>
-            <a:off x="544473" y="2030412"/>
-            <a:ext cx="7363853" cy="895475"/>
+            <a:off x="322384" y="1850057"/>
+            <a:ext cx="8141677" cy="638010"/>
           </a:xfrm>
           <a:prstGeom prst="rect">
             <a:avLst/>
@@ -33737,20 +34028,20 @@
 </file>
 
 <file path=customXml/item2.xml><?xml version="1.0" encoding="utf-8"?>
+<p:properties xmlns:p="http://schemas.microsoft.com/office/2006/metadata/properties" xmlns:xsi="http://www.w3.org/2001/XMLSchema-instance" xmlns:pc="http://schemas.microsoft.com/office/infopath/2007/PartnerControls">
+  <documentManagement>
+    <_activity xmlns="3e5e162a-5953-4fde-83b3-9639e6ab13bb" xsi:nil="true"/>
+  </documentManagement>
+</p:properties>
+</file>
+
+<file path=customXml/item3.xml><?xml version="1.0" encoding="utf-8"?>
 <?mso-contentType ?>
 <FormTemplates xmlns="http://schemas.microsoft.com/sharepoint/v3/contenttype/forms">
   <Display>DocumentLibraryForm</Display>
   <Edit>DocumentLibraryForm</Edit>
   <New>DocumentLibraryForm</New>
 </FormTemplates>
-</file>
-
-<file path=customXml/item3.xml><?xml version="1.0" encoding="utf-8"?>
-<p:properties xmlns:p="http://schemas.microsoft.com/office/2006/metadata/properties" xmlns:xsi="http://www.w3.org/2001/XMLSchema-instance" xmlns:pc="http://schemas.microsoft.com/office/infopath/2007/PartnerControls">
-  <documentManagement>
-    <_activity xmlns="3e5e162a-5953-4fde-83b3-9639e6ab13bb" xsi:nil="true"/>
-  </documentManagement>
-</p:properties>
 </file>
 
 <file path=customXml/itemProps1.xml><?xml version="1.0" encoding="utf-8"?>
@@ -33773,14 +34064,6 @@
 </file>
 
 <file path=customXml/itemProps2.xml><?xml version="1.0" encoding="utf-8"?>
-<ds:datastoreItem xmlns:ds="http://schemas.openxmlformats.org/officeDocument/2006/customXml" ds:itemID="{9104BBC9-6B71-4DC1-A0E0-1E198363AC7F}">
-  <ds:schemaRefs>
-    <ds:schemaRef ds:uri="http://schemas.microsoft.com/sharepoint/v3/contenttype/forms"/>
-  </ds:schemaRefs>
-</ds:datastoreItem>
-</file>
-
-<file path=customXml/itemProps3.xml><?xml version="1.0" encoding="utf-8"?>
 <ds:datastoreItem xmlns:ds="http://schemas.openxmlformats.org/officeDocument/2006/customXml" ds:itemID="{3D7021EF-4D3D-4708-92FB-F2CD02CEF7A1}">
   <ds:schemaRefs>
     <ds:schemaRef ds:uri="http://schemas.openxmlformats.org/package/2006/metadata/core-properties"/>
@@ -33797,6 +34080,14 @@
 </ds:datastoreItem>
 </file>
 
+<file path=customXml/itemProps3.xml><?xml version="1.0" encoding="utf-8"?>
+<ds:datastoreItem xmlns:ds="http://schemas.openxmlformats.org/officeDocument/2006/customXml" ds:itemID="{9104BBC9-6B71-4DC1-A0E0-1E198363AC7F}">
+  <ds:schemaRefs>
+    <ds:schemaRef ds:uri="http://schemas.microsoft.com/sharepoint/v3/contenttype/forms"/>
+  </ds:schemaRefs>
+</ds:datastoreItem>
+</file>
+
 <file path=docMetadata/LabelInfo.xml><?xml version="1.0" encoding="utf-8"?>
 <clbl:labelList xmlns:clbl="http://schemas.microsoft.com/office/2020/mipLabelMetadata">
   <clbl:label id="{2e1fccfb-80ca-4fe1-a574-1516544edb53}" enabled="1" method="Standard" siteId="{364e5b87-c1c7-420d-9bee-c35d19b557a1}" removed="0"/>

--- a/interim-01/Slides/chair-slides-bmwg-ippm.pptx
+++ b/interim-01/Slides/chair-slides-bmwg-ippm.pptx
@@ -328,12 +328,12 @@
   <pc:docChgLst>
     <pc:chgData name="Graf Thomas, SCS-INI-NET-VNC-E2E" userId="487bc3e3-9ce7-4cdd-b7b4-8899ea88d289" providerId="ADAL" clId="{EF859C06-2014-4A3D-B5EE-7F03E77ED81E}"/>
     <pc:docChg chg="custSel modSld">
-      <pc:chgData name="Graf Thomas, SCS-INI-NET-VNC-E2E" userId="487bc3e3-9ce7-4cdd-b7b4-8899ea88d289" providerId="ADAL" clId="{EF859C06-2014-4A3D-B5EE-7F03E77ED81E}" dt="2025-11-19T08:35:18.468" v="7" actId="1076"/>
+      <pc:chgData name="Graf Thomas, SCS-INI-NET-VNC-E2E" userId="487bc3e3-9ce7-4cdd-b7b4-8899ea88d289" providerId="ADAL" clId="{EF859C06-2014-4A3D-B5EE-7F03E77ED81E}" dt="2025-11-20T06:34:23.945" v="16" actId="1076"/>
       <pc:docMkLst>
         <pc:docMk/>
       </pc:docMkLst>
       <pc:sldChg chg="addSp delSp modSp mod">
-        <pc:chgData name="Graf Thomas, SCS-INI-NET-VNC-E2E" userId="487bc3e3-9ce7-4cdd-b7b4-8899ea88d289" providerId="ADAL" clId="{EF859C06-2014-4A3D-B5EE-7F03E77ED81E}" dt="2025-11-19T08:35:01.985" v="4" actId="1076"/>
+        <pc:chgData name="Graf Thomas, SCS-INI-NET-VNC-E2E" userId="487bc3e3-9ce7-4cdd-b7b4-8899ea88d289" providerId="ADAL" clId="{EF859C06-2014-4A3D-B5EE-7F03E77ED81E}" dt="2025-11-20T06:34:08.935" v="13" actId="14100"/>
         <pc:sldMkLst>
           <pc:docMk/>
           <pc:sldMk cId="703495152" sldId="264"/>
@@ -346,6 +346,14 @@
             <ac:picMk id="5" creationId="{7322EFFC-85B1-3D16-4EA1-12868D6A22B5}"/>
           </ac:picMkLst>
         </pc:picChg>
+        <pc:picChg chg="add mod">
+          <ac:chgData name="Graf Thomas, SCS-INI-NET-VNC-E2E" userId="487bc3e3-9ce7-4cdd-b7b4-8899ea88d289" providerId="ADAL" clId="{EF859C06-2014-4A3D-B5EE-7F03E77ED81E}" dt="2025-11-20T06:34:08.935" v="13" actId="14100"/>
+          <ac:picMkLst>
+            <pc:docMk/>
+            <pc:sldMk cId="703495152" sldId="264"/>
+            <ac:picMk id="5" creationId="{FE13A266-D6BB-96B1-57ED-CE4C990DD23D}"/>
+          </ac:picMkLst>
+        </pc:picChg>
         <pc:picChg chg="del">
           <ac:chgData name="Graf Thomas, SCS-INI-NET-VNC-E2E" userId="487bc3e3-9ce7-4cdd-b7b4-8899ea88d289" providerId="ADAL" clId="{EF859C06-2014-4A3D-B5EE-7F03E77ED81E}" dt="2025-11-19T08:34:56.457" v="0" actId="478"/>
           <ac:picMkLst>
@@ -354,9 +362,17 @@
             <ac:picMk id="7" creationId="{8249488F-129E-0F6F-19AF-B00E317A45AF}"/>
           </ac:picMkLst>
         </pc:picChg>
+        <pc:picChg chg="del">
+          <ac:chgData name="Graf Thomas, SCS-INI-NET-VNC-E2E" userId="487bc3e3-9ce7-4cdd-b7b4-8899ea88d289" providerId="ADAL" clId="{EF859C06-2014-4A3D-B5EE-7F03E77ED81E}" dt="2025-11-20T06:34:01.194" v="8" actId="478"/>
+          <ac:picMkLst>
+            <pc:docMk/>
+            <pc:sldMk cId="703495152" sldId="264"/>
+            <ac:picMk id="8" creationId="{502884C6-9465-4AEB-9BC2-CD78EACC725D}"/>
+          </ac:picMkLst>
+        </pc:picChg>
       </pc:sldChg>
       <pc:sldChg chg="addSp delSp modSp mod">
-        <pc:chgData name="Graf Thomas, SCS-INI-NET-VNC-E2E" userId="487bc3e3-9ce7-4cdd-b7b4-8899ea88d289" providerId="ADAL" clId="{EF859C06-2014-4A3D-B5EE-7F03E77ED81E}" dt="2025-11-19T08:35:18.468" v="7" actId="1076"/>
+        <pc:chgData name="Graf Thomas, SCS-INI-NET-VNC-E2E" userId="487bc3e3-9ce7-4cdd-b7b4-8899ea88d289" providerId="ADAL" clId="{EF859C06-2014-4A3D-B5EE-7F03E77ED81E}" dt="2025-11-20T06:34:23.945" v="16" actId="1076"/>
         <pc:sldMkLst>
           <pc:docMk/>
           <pc:sldMk cId="1859012803" sldId="271"/>
@@ -369,12 +385,28 @@
             <ac:picMk id="5" creationId="{83C9D532-04E5-151D-138D-346CD68EA7AA}"/>
           </ac:picMkLst>
         </pc:picChg>
+        <pc:picChg chg="add mod">
+          <ac:chgData name="Graf Thomas, SCS-INI-NET-VNC-E2E" userId="487bc3e3-9ce7-4cdd-b7b4-8899ea88d289" providerId="ADAL" clId="{EF859C06-2014-4A3D-B5EE-7F03E77ED81E}" dt="2025-11-20T06:34:23.945" v="16" actId="1076"/>
+          <ac:picMkLst>
+            <pc:docMk/>
+            <pc:sldMk cId="1859012803" sldId="271"/>
+            <ac:picMk id="5" creationId="{B4321994-454D-B2E5-927E-C9C98E7AC86A}"/>
+          </ac:picMkLst>
+        </pc:picChg>
         <pc:picChg chg="del">
           <ac:chgData name="Graf Thomas, SCS-INI-NET-VNC-E2E" userId="487bc3e3-9ce7-4cdd-b7b4-8899ea88d289" providerId="ADAL" clId="{EF859C06-2014-4A3D-B5EE-7F03E77ED81E}" dt="2025-11-19T08:35:15.939" v="5" actId="478"/>
           <ac:picMkLst>
             <pc:docMk/>
             <pc:sldMk cId="1859012803" sldId="271"/>
             <ac:picMk id="8" creationId="{3E80C31F-C4B2-853C-704F-CDF575DEF945}"/>
+          </ac:picMkLst>
+        </pc:picChg>
+        <pc:picChg chg="del">
+          <ac:chgData name="Graf Thomas, SCS-INI-NET-VNC-E2E" userId="487bc3e3-9ce7-4cdd-b7b4-8899ea88d289" providerId="ADAL" clId="{EF859C06-2014-4A3D-B5EE-7F03E77ED81E}" dt="2025-11-20T06:34:20.317" v="14" actId="478"/>
+          <ac:picMkLst>
+            <pc:docMk/>
+            <pc:sldMk cId="1859012803" sldId="271"/>
+            <ac:picMk id="8" creationId="{D47465AF-3406-405A-9580-5FCC4F76BFC0}"/>
           </ac:picMkLst>
         </pc:picChg>
       </pc:sldChg>
@@ -31064,7 +31096,7 @@
         <p:fade/>
       </p:transition>
     </mc:Choice>
-    <mc:Fallback xmlns:ahyp="http://schemas.microsoft.com/office/drawing/2018/hyperlinkcolor" xmlns:p15="http://schemas.microsoft.com/office/powerpoint/2012/main" xmlns:com="http://schemas.openxmlformats.org/drawingml/2006/compatibility" xmlns:pvml="urn:schemas-microsoft-com:office:powerpoint" xmlns:v="urn:schemas-microsoft-com:vml" xmlns:o="urn:schemas-microsoft-com:office:office" xmlns:dgm="http://schemas.openxmlformats.org/drawingml/2006/diagram" xmlns:c="http://schemas.openxmlformats.org/drawingml/2006/chart" xmlns:mv="urn:schemas-microsoft-com:mac:vml" xmlns="">
+    <mc:Fallback xmlns="" xmlns:mv="urn:schemas-microsoft-com:mac:vml" xmlns:c="http://schemas.openxmlformats.org/drawingml/2006/chart" xmlns:dgm="http://schemas.openxmlformats.org/drawingml/2006/diagram" xmlns:o="urn:schemas-microsoft-com:office:office" xmlns:v="urn:schemas-microsoft-com:vml" xmlns:pvml="urn:schemas-microsoft-com:office:powerpoint" xmlns:com="http://schemas.openxmlformats.org/drawingml/2006/compatibility" xmlns:p15="http://schemas.microsoft.com/office/powerpoint/2012/main" xmlns:ahyp="http://schemas.microsoft.com/office/drawing/2018/hyperlinkcolor">
       <p:transition spd="slow">
         <p:fade/>
       </p:transition>
@@ -32469,10 +32501,10 @@
       </p:sp>
       <p:pic>
         <p:nvPicPr>
-          <p:cNvPr id="8" name="Picture 7">
+          <p:cNvPr id="5" name="Picture 4">
             <a:extLst>
               <a:ext uri="{FF2B5EF4-FFF2-40B4-BE49-F238E27FC236}">
-                <a16:creationId xmlns:a16="http://schemas.microsoft.com/office/drawing/2014/main" id="{502884C6-9465-4AEB-9BC2-CD78EACC725D}"/>
+                <a16:creationId xmlns:a16="http://schemas.microsoft.com/office/drawing/2014/main" id="{FE13A266-D6BB-96B1-57ED-CE4C990DD23D}"/>
               </a:ext>
             </a:extLst>
           </p:cNvPr>
@@ -32489,8 +32521,8 @@
         </p:blipFill>
         <p:spPr>
           <a:xfrm>
-            <a:off x="312000" y="1769325"/>
-            <a:ext cx="7653832" cy="3032852"/>
+            <a:off x="471901" y="1913007"/>
+            <a:ext cx="5950500" cy="2905878"/>
           </a:xfrm>
           <a:prstGeom prst="rect">
             <a:avLst/>
@@ -32609,10 +32641,10 @@
       </p:sp>
       <p:pic>
         <p:nvPicPr>
-          <p:cNvPr id="8" name="Picture 7">
+          <p:cNvPr id="5" name="Picture 4">
             <a:extLst>
               <a:ext uri="{FF2B5EF4-FFF2-40B4-BE49-F238E27FC236}">
-                <a16:creationId xmlns:a16="http://schemas.microsoft.com/office/drawing/2014/main" id="{D47465AF-3406-405A-9580-5FCC4F76BFC0}"/>
+                <a16:creationId xmlns:a16="http://schemas.microsoft.com/office/drawing/2014/main" id="{B4321994-454D-B2E5-927E-C9C98E7AC86A}"/>
               </a:ext>
             </a:extLst>
           </p:cNvPr>
@@ -32629,8 +32661,8 @@
         </p:blipFill>
         <p:spPr>
           <a:xfrm>
-            <a:off x="322384" y="1850057"/>
-            <a:ext cx="8141677" cy="638010"/>
+            <a:off x="471900" y="2210610"/>
+            <a:ext cx="7401958" cy="905001"/>
           </a:xfrm>
           <a:prstGeom prst="rect">
             <a:avLst/>
@@ -33775,6 +33807,23 @@
 </file>
 
 <file path=customXml/item1.xml><?xml version="1.0" encoding="utf-8"?>
+<?mso-contentType ?>
+<FormTemplates xmlns="http://schemas.microsoft.com/sharepoint/v3/contenttype/forms">
+  <Display>DocumentLibraryForm</Display>
+  <Edit>DocumentLibraryForm</Edit>
+  <New>DocumentLibraryForm</New>
+</FormTemplates>
+</file>
+
+<file path=customXml/item2.xml><?xml version="1.0" encoding="utf-8"?>
+<p:properties xmlns:p="http://schemas.microsoft.com/office/2006/metadata/properties" xmlns:xsi="http://www.w3.org/2001/XMLSchema-instance" xmlns:pc="http://schemas.microsoft.com/office/infopath/2007/PartnerControls">
+  <documentManagement>
+    <_activity xmlns="3e5e162a-5953-4fde-83b3-9639e6ab13bb" xsi:nil="true"/>
+  </documentManagement>
+</p:properties>
+</file>
+
+<file path=customXml/item3.xml><?xml version="1.0" encoding="utf-8"?>
 <ct:contentTypeSchema xmlns:ct="http://schemas.microsoft.com/office/2006/metadata/contentType" xmlns:ma="http://schemas.microsoft.com/office/2006/metadata/properties/metaAttributes" ct:_="" ma:_="" ma:contentTypeName="Dokument" ma:contentTypeID="0x01010028792A905D4FBE4781303B372FFF56B7" ma:contentTypeVersion="18" ma:contentTypeDescription="Ein neues Dokument erstellen." ma:contentTypeScope="" ma:versionID="1bed101c48ab8d637c0f10f3a19033d6">
   <xsd:schema xmlns:xsd="http://www.w3.org/2001/XMLSchema" xmlns:xs="http://www.w3.org/2001/XMLSchema" xmlns:p="http://schemas.microsoft.com/office/2006/metadata/properties" xmlns:ns3="3e5e162a-5953-4fde-83b3-9639e6ab13bb" xmlns:ns4="266fa233-377d-43d6-82a1-e70154e55ff7" targetNamespace="http://schemas.microsoft.com/office/2006/metadata/properties" ma:root="true" ma:fieldsID="ad54ca06dfd6fdd081bd33575dcf7e57" ns3:_="" ns4:_="">
     <xsd:import namespace="3e5e162a-5953-4fde-83b3-9639e6ab13bb"/>
@@ -34027,38 +34076,10 @@
 </ct:contentTypeSchema>
 </file>
 
-<file path=customXml/item2.xml><?xml version="1.0" encoding="utf-8"?>
-<p:properties xmlns:p="http://schemas.microsoft.com/office/2006/metadata/properties" xmlns:xsi="http://www.w3.org/2001/XMLSchema-instance" xmlns:pc="http://schemas.microsoft.com/office/infopath/2007/PartnerControls">
-  <documentManagement>
-    <_activity xmlns="3e5e162a-5953-4fde-83b3-9639e6ab13bb" xsi:nil="true"/>
-  </documentManagement>
-</p:properties>
-</file>
-
-<file path=customXml/item3.xml><?xml version="1.0" encoding="utf-8"?>
-<?mso-contentType ?>
-<FormTemplates xmlns="http://schemas.microsoft.com/sharepoint/v3/contenttype/forms">
-  <Display>DocumentLibraryForm</Display>
-  <Edit>DocumentLibraryForm</Edit>
-  <New>DocumentLibraryForm</New>
-</FormTemplates>
-</file>
-
 <file path=customXml/itemProps1.xml><?xml version="1.0" encoding="utf-8"?>
-<ds:datastoreItem xmlns:ds="http://schemas.openxmlformats.org/officeDocument/2006/customXml" ds:itemID="{F4805544-B524-4E4A-B7C1-6ABFC599928D}">
+<ds:datastoreItem xmlns:ds="http://schemas.openxmlformats.org/officeDocument/2006/customXml" ds:itemID="{9104BBC9-6B71-4DC1-A0E0-1E198363AC7F}">
   <ds:schemaRefs>
-    <ds:schemaRef ds:uri="http://schemas.microsoft.com/office/2006/metadata/contentType"/>
-    <ds:schemaRef ds:uri="http://schemas.microsoft.com/office/2006/metadata/properties/metaAttributes"/>
-    <ds:schemaRef ds:uri="http://www.w3.org/2001/XMLSchema"/>
-    <ds:schemaRef ds:uri="http://schemas.microsoft.com/office/2006/metadata/properties"/>
-    <ds:schemaRef ds:uri="3e5e162a-5953-4fde-83b3-9639e6ab13bb"/>
-    <ds:schemaRef ds:uri="266fa233-377d-43d6-82a1-e70154e55ff7"/>
-    <ds:schemaRef ds:uri="http://schemas.microsoft.com/office/2006/documentManagement/types"/>
-    <ds:schemaRef ds:uri="http://schemas.microsoft.com/office/infopath/2007/PartnerControls"/>
-    <ds:schemaRef ds:uri="http://schemas.openxmlformats.org/package/2006/metadata/core-properties"/>
-    <ds:schemaRef ds:uri="http://purl.org/dc/elements/1.1/"/>
-    <ds:schemaRef ds:uri="http://purl.org/dc/terms/"/>
-    <ds:schemaRef ds:uri="http://schemas.microsoft.com/internal/obd"/>
+    <ds:schemaRef ds:uri="http://schemas.microsoft.com/sharepoint/v3/contenttype/forms"/>
   </ds:schemaRefs>
 </ds:datastoreItem>
 </file>
@@ -34081,9 +34102,20 @@
 </file>
 
 <file path=customXml/itemProps3.xml><?xml version="1.0" encoding="utf-8"?>
-<ds:datastoreItem xmlns:ds="http://schemas.openxmlformats.org/officeDocument/2006/customXml" ds:itemID="{9104BBC9-6B71-4DC1-A0E0-1E198363AC7F}">
+<ds:datastoreItem xmlns:ds="http://schemas.openxmlformats.org/officeDocument/2006/customXml" ds:itemID="{F4805544-B524-4E4A-B7C1-6ABFC599928D}">
   <ds:schemaRefs>
-    <ds:schemaRef ds:uri="http://schemas.microsoft.com/sharepoint/v3/contenttype/forms"/>
+    <ds:schemaRef ds:uri="http://schemas.microsoft.com/office/2006/metadata/contentType"/>
+    <ds:schemaRef ds:uri="http://schemas.microsoft.com/office/2006/metadata/properties/metaAttributes"/>
+    <ds:schemaRef ds:uri="http://www.w3.org/2001/XMLSchema"/>
+    <ds:schemaRef ds:uri="http://schemas.microsoft.com/office/2006/metadata/properties"/>
+    <ds:schemaRef ds:uri="3e5e162a-5953-4fde-83b3-9639e6ab13bb"/>
+    <ds:schemaRef ds:uri="266fa233-377d-43d6-82a1-e70154e55ff7"/>
+    <ds:schemaRef ds:uri="http://schemas.microsoft.com/office/2006/documentManagement/types"/>
+    <ds:schemaRef ds:uri="http://schemas.microsoft.com/office/infopath/2007/PartnerControls"/>
+    <ds:schemaRef ds:uri="http://schemas.openxmlformats.org/package/2006/metadata/core-properties"/>
+    <ds:schemaRef ds:uri="http://purl.org/dc/elements/1.1/"/>
+    <ds:schemaRef ds:uri="http://purl.org/dc/terms/"/>
+    <ds:schemaRef ds:uri="http://schemas.microsoft.com/internal/obd"/>
   </ds:schemaRefs>
 </ds:datastoreItem>
 </file>
